--- a/.media/project.pptx
+++ b/.media/project.pptx
@@ -1209,7 +1209,7 @@
   <p:cSld>
     <p:spTree>
       <p:nvGrpSpPr>
-        <p:cNvPr id="87" name="Shape 87"/>
+        <p:cNvPr id="86" name="Shape 86"/>
         <p:cNvGrpSpPr/>
         <p:nvPr/>
       </p:nvGrpSpPr>
@@ -1223,7 +1223,7 @@
       </p:grpSpPr>
       <p:sp>
         <p:nvSpPr>
-          <p:cNvPr id="88" name="Google Shape;88;g353d857a964_0_330:notes"/>
+          <p:cNvPr id="87" name="Google Shape;87;g353d857a964_0_330:notes"/>
           <p:cNvSpPr/>
           <p:nvPr>
             <p:ph idx="2" type="sldImg"/>
@@ -1258,7 +1258,7 @@
       </p:sp>
       <p:sp>
         <p:nvSpPr>
-          <p:cNvPr id="89" name="Google Shape;89;g353d857a964_0_330:notes"/>
+          <p:cNvPr id="88" name="Google Shape;88;g353d857a964_0_330:notes"/>
           <p:cNvSpPr txBox="1"/>
           <p:nvPr>
             <p:ph idx="1" type="body"/>
@@ -1308,7 +1308,7 @@
   <p:cSld>
     <p:spTree>
       <p:nvGrpSpPr>
-        <p:cNvPr id="93" name="Shape 93"/>
+        <p:cNvPr id="92" name="Shape 92"/>
         <p:cNvGrpSpPr/>
         <p:nvPr/>
       </p:nvGrpSpPr>
@@ -1322,7 +1322,7 @@
       </p:grpSpPr>
       <p:sp>
         <p:nvSpPr>
-          <p:cNvPr id="94" name="Google Shape;94;g35406abaed9_0_0:notes"/>
+          <p:cNvPr id="93" name="Google Shape;93;g35406abaed9_0_0:notes"/>
           <p:cNvSpPr/>
           <p:nvPr>
             <p:ph idx="2" type="sldImg"/>
@@ -1357,7 +1357,7 @@
       </p:sp>
       <p:sp>
         <p:nvSpPr>
-          <p:cNvPr id="95" name="Google Shape;95;g35406abaed9_0_0:notes"/>
+          <p:cNvPr id="94" name="Google Shape;94;g35406abaed9_0_0:notes"/>
           <p:cNvSpPr txBox="1"/>
           <p:nvPr>
             <p:ph idx="1" type="body"/>
@@ -1407,7 +1407,7 @@
   <p:cSld>
     <p:spTree>
       <p:nvGrpSpPr>
-        <p:cNvPr id="98" name="Shape 98"/>
+        <p:cNvPr id="97" name="Shape 97"/>
         <p:cNvGrpSpPr/>
         <p:nvPr/>
       </p:nvGrpSpPr>
@@ -1421,7 +1421,7 @@
       </p:grpSpPr>
       <p:sp>
         <p:nvSpPr>
-          <p:cNvPr id="99" name="Google Shape;99;g353d857a964_0_338:notes"/>
+          <p:cNvPr id="98" name="Google Shape;98;g353d857a964_0_338:notes"/>
           <p:cNvSpPr/>
           <p:nvPr>
             <p:ph idx="2" type="sldImg"/>
@@ -1456,7 +1456,7 @@
       </p:sp>
       <p:sp>
         <p:nvSpPr>
-          <p:cNvPr id="100" name="Google Shape;100;g353d857a964_0_338:notes"/>
+          <p:cNvPr id="99" name="Google Shape;99;g353d857a964_0_338:notes"/>
           <p:cNvSpPr txBox="1"/>
           <p:nvPr>
             <p:ph idx="1" type="body"/>
@@ -7459,7 +7459,7 @@
         </p:spPr>
         <p:txBody>
           <a:bodyPr anchorCtr="0" anchor="t" bIns="91425" lIns="91425" spcFirstLastPara="1" rIns="91425" wrap="square" tIns="91425">
-            <a:normAutofit/>
+            <a:normAutofit lnSpcReduction="10000"/>
           </a:bodyPr>
           <a:lstStyle/>
           <a:p>
@@ -7777,7 +7777,7 @@
                 <a:cs typeface="Arial"/>
                 <a:sym typeface="Arial"/>
               </a:rPr>
-              <a:t>Система контроля версий</a:t>
+              <a:t>Система контроля версий:</a:t>
             </a:r>
             <a:r>
               <a:rPr lang="ru" sz="1500">
@@ -7789,7 +7789,56 @@
                 <a:cs typeface="Arial"/>
                 <a:sym typeface="Arial"/>
               </a:rPr>
-              <a:t>: Git, Github</a:t>
+              <a:t> Git, Github</a:t>
+            </a:r>
+            <a:endParaRPr sz="1500">
+              <a:solidFill>
+                <a:srgbClr val="000000"/>
+              </a:solidFill>
+              <a:latin typeface="Arial"/>
+              <a:ea typeface="Arial"/>
+              <a:cs typeface="Arial"/>
+              <a:sym typeface="Arial"/>
+            </a:endParaRPr>
+          </a:p>
+          <a:p>
+            <a:pPr indent="-323850" lvl="0" marL="457200" rtl="0" algn="l">
+              <a:spcBef>
+                <a:spcPts val="0"/>
+              </a:spcBef>
+              <a:spcAft>
+                <a:spcPts val="0"/>
+              </a:spcAft>
+              <a:buClr>
+                <a:srgbClr val="000000"/>
+              </a:buClr>
+              <a:buSzPts val="1500"/>
+              <a:buFont typeface="Arial"/>
+              <a:buChar char="●"/>
+            </a:pPr>
+            <a:r>
+              <a:rPr b="1" lang="ru" sz="1500">
+                <a:solidFill>
+                  <a:srgbClr val="000000"/>
+                </a:solidFill>
+                <a:latin typeface="Arial"/>
+                <a:ea typeface="Arial"/>
+                <a:cs typeface="Arial"/>
+                <a:sym typeface="Arial"/>
+              </a:rPr>
+              <a:t>Система развертки приложения:</a:t>
+            </a:r>
+            <a:r>
+              <a:rPr lang="ru" sz="1500">
+                <a:solidFill>
+                  <a:srgbClr val="000000"/>
+                </a:solidFill>
+                <a:latin typeface="Arial"/>
+                <a:ea typeface="Arial"/>
+                <a:cs typeface="Arial"/>
+                <a:sym typeface="Arial"/>
+              </a:rPr>
+              <a:t> Docker</a:t>
             </a:r>
             <a:endParaRPr sz="1500">
               <a:solidFill>
@@ -8678,7 +8727,7 @@
                 <a:spcPts val="1200"/>
               </a:spcBef>
               <a:spcAft>
-                <a:spcPts val="1200"/>
+                <a:spcPts val="0"/>
               </a:spcAft>
               <a:buSzPts val="770"/>
               <a:buNone/>
@@ -8691,7 +8740,35 @@
               </a:rPr>
               <a:t>iksTerm –shell=/usr/bin/paraShell</a:t>
             </a:r>
-            <a:endParaRPr sz="1600">
+            <a:endParaRPr b="1" sz="1500" u="sng">
+              <a:solidFill>
+                <a:schemeClr val="dk1"/>
+              </a:solidFill>
+            </a:endParaRPr>
+          </a:p>
+          <a:p>
+            <a:pPr indent="0" lvl="0" marL="0" rtl="0" algn="l">
+              <a:lnSpc>
+                <a:spcPct val="95000"/>
+              </a:lnSpc>
+              <a:spcBef>
+                <a:spcPts val="1200"/>
+              </a:spcBef>
+              <a:spcAft>
+                <a:spcPts val="1200"/>
+              </a:spcAft>
+              <a:buSzPts val="770"/>
+              <a:buNone/>
+            </a:pPr>
+            <a:r>
+              <a:rPr b="1" lang="ru" sz="1500" u="sng">
+                <a:solidFill>
+                  <a:schemeClr val="dk1"/>
+                </a:solidFill>
+              </a:rPr>
+              <a:t>Альтернатива сборка в контейнере</a:t>
+            </a:r>
+            <a:endParaRPr b="1" sz="1500" u="sng">
               <a:solidFill>
                 <a:schemeClr val="dk1"/>
               </a:solidFill>
@@ -8730,55 +8807,6 @@
           </a:ln>
         </p:spPr>
       </p:pic>
-      <p:sp>
-        <p:nvSpPr>
-          <p:cNvPr id="86" name="Google Shape;86;p17"/>
-          <p:cNvSpPr txBox="1"/>
-          <p:nvPr/>
-        </p:nvSpPr>
-        <p:spPr>
-          <a:xfrm>
-            <a:off x="2203500" y="3113750"/>
-            <a:ext cx="5686500" cy="461700"/>
-          </a:xfrm>
-          <a:prstGeom prst="rect">
-            <a:avLst/>
-          </a:prstGeom>
-          <a:noFill/>
-          <a:ln>
-            <a:noFill/>
-          </a:ln>
-        </p:spPr>
-        <p:txBody>
-          <a:bodyPr anchorCtr="0" anchor="t" bIns="91425" lIns="91425" spcFirstLastPara="1" rIns="91425" wrap="square" tIns="91425">
-            <a:spAutoFit/>
-          </a:bodyPr>
-          <a:lstStyle/>
-          <a:p>
-            <a:pPr indent="0" lvl="0" marL="0" rtl="0" algn="l">
-              <a:spcBef>
-                <a:spcPts val="0"/>
-              </a:spcBef>
-              <a:spcAft>
-                <a:spcPts val="0"/>
-              </a:spcAft>
-              <a:buNone/>
-            </a:pPr>
-            <a:r>
-              <a:t/>
-            </a:r>
-            <a:endParaRPr sz="1800">
-              <a:solidFill>
-                <a:schemeClr val="accent3"/>
-              </a:solidFill>
-              <a:latin typeface="Proxima Nova"/>
-              <a:ea typeface="Proxima Nova"/>
-              <a:cs typeface="Proxima Nova"/>
-              <a:sym typeface="Proxima Nova"/>
-            </a:endParaRPr>
-          </a:p>
-        </p:txBody>
-      </p:sp>
     </p:spTree>
   </p:cSld>
   <p:clrMapOvr>
@@ -8867,7 +8895,7 @@
   <p:cSld>
     <p:spTree>
       <p:nvGrpSpPr>
-        <p:cNvPr id="90" name="Shape 90"/>
+        <p:cNvPr id="89" name="Shape 89"/>
         <p:cNvGrpSpPr/>
         <p:nvPr/>
       </p:nvGrpSpPr>
@@ -8881,7 +8909,7 @@
       </p:grpSpPr>
       <p:sp>
         <p:nvSpPr>
-          <p:cNvPr id="91" name="Google Shape;91;p18"/>
+          <p:cNvPr id="90" name="Google Shape;90;p18"/>
           <p:cNvSpPr txBox="1"/>
           <p:nvPr>
             <p:ph type="title"/>
@@ -8921,7 +8949,7 @@
       </p:sp>
       <p:sp>
         <p:nvSpPr>
-          <p:cNvPr id="92" name="Google Shape;92;p18"/>
+          <p:cNvPr id="91" name="Google Shape;91;p18"/>
           <p:cNvSpPr txBox="1"/>
           <p:nvPr>
             <p:ph idx="1" type="body"/>
@@ -9088,7 +9116,7 @@
                   <a:schemeClr val="dk1"/>
                 </a:solidFill>
               </a:rPr>
-              <a:t>Проект оформлен с использование современных инструментов разработки: документация, структура, автоматизация сборки.</a:t>
+              <a:t>Проект оформлен с использование современных инструментов разработки: документация, структура, автоматизация сборки и развертки приложения.</a:t>
             </a:r>
             <a:endParaRPr sz="1600">
               <a:solidFill>
@@ -9138,7 +9166,7 @@
   <p:cSld>
     <p:spTree>
       <p:nvGrpSpPr>
-        <p:cNvPr id="96" name="Shape 96"/>
+        <p:cNvPr id="95" name="Shape 95"/>
         <p:cNvGrpSpPr/>
         <p:nvPr/>
       </p:nvGrpSpPr>
@@ -9152,7 +9180,7 @@
       </p:grpSpPr>
       <p:pic>
         <p:nvPicPr>
-          <p:cNvPr id="97" name="Google Shape;97;p19"/>
+          <p:cNvPr id="96" name="Google Shape;96;p19"/>
           <p:cNvPicPr preferRelativeResize="0"/>
           <p:nvPr/>
         </p:nvPicPr>
@@ -9190,7 +9218,7 @@
   <p:cSld>
     <p:spTree>
       <p:nvGrpSpPr>
-        <p:cNvPr id="101" name="Shape 101"/>
+        <p:cNvPr id="100" name="Shape 100"/>
         <p:cNvGrpSpPr/>
         <p:nvPr/>
       </p:nvGrpSpPr>
@@ -9204,7 +9232,7 @@
       </p:grpSpPr>
       <p:sp>
         <p:nvSpPr>
-          <p:cNvPr id="102" name="Google Shape;102;p20"/>
+          <p:cNvPr id="101" name="Google Shape;101;p20"/>
           <p:cNvSpPr txBox="1"/>
           <p:nvPr/>
         </p:nvSpPr>

--- a/.media/project.pptx
+++ b/.media/project.pptx
@@ -16,23 +16,29 @@
     <p:sldId id="261" r:id="rId11"/>
     <p:sldId id="262" r:id="rId12"/>
     <p:sldId id="263" r:id="rId13"/>
+    <p:sldId id="264" r:id="rId14"/>
+    <p:sldId id="265" r:id="rId15"/>
+    <p:sldId id="266" r:id="rId16"/>
+    <p:sldId id="267" r:id="rId17"/>
+    <p:sldId id="268" r:id="rId18"/>
+    <p:sldId id="269" r:id="rId19"/>
   </p:sldIdLst>
   <p:sldSz cy="5143500" cx="9144000"/>
   <p:notesSz cx="6858000" cy="9144000"/>
   <p:embeddedFontLst>
     <p:embeddedFont>
       <p:font typeface="Proxima Nova"/>
-      <p:regular r:id="rId14"/>
-      <p:bold r:id="rId15"/>
-      <p:italic r:id="rId16"/>
-      <p:boldItalic r:id="rId17"/>
+      <p:regular r:id="rId20"/>
+      <p:bold r:id="rId21"/>
+      <p:italic r:id="rId22"/>
+      <p:boldItalic r:id="rId23"/>
     </p:embeddedFont>
     <p:embeddedFont>
       <p:font typeface="Roboto Mono"/>
-      <p:regular r:id="rId18"/>
-      <p:bold r:id="rId19"/>
-      <p:italic r:id="rId20"/>
-      <p:boldItalic r:id="rId21"/>
+      <p:regular r:id="rId24"/>
+      <p:bold r:id="rId25"/>
+      <p:italic r:id="rId26"/>
+      <p:boldItalic r:id="rId27"/>
     </p:embeddedFont>
   </p:embeddedFontLst>
   <p:defaultTextStyle>
@@ -808,6 +814,501 @@
 </p:notes>
 </file>
 
+<file path=ppt/notesSlides/notesSlide10.xml><?xml version="1.0" encoding="utf-8"?>
+<p:notes xmlns:a="http://schemas.openxmlformats.org/drawingml/2006/main" xmlns:r="http://schemas.openxmlformats.org/officeDocument/2006/relationships" xmlns:mc="http://schemas.openxmlformats.org/markup-compatibility/2006" xmlns:mv="urn:schemas-microsoft-com:mac:vml" xmlns:p="http://schemas.openxmlformats.org/presentationml/2006/main" xmlns:c="http://schemas.openxmlformats.org/drawingml/2006/chart" xmlns:dgm="http://schemas.openxmlformats.org/drawingml/2006/diagram" xmlns:o="urn:schemas-microsoft-com:office:office" xmlns:v="urn:schemas-microsoft-com:vml" xmlns:pvml="urn:schemas-microsoft-com:office:powerpoint" xmlns:com="http://schemas.openxmlformats.org/drawingml/2006/compatibility" xmlns:p14="http://schemas.microsoft.com/office/powerpoint/2010/main" xmlns:p15="http://schemas.microsoft.com/office/powerpoint/2012/main" xmlns:ahyp="http://schemas.microsoft.com/office/drawing/2018/hyperlinkcolor" showMasterPhAnim="0" showMasterSp="0">
+  <p:cSld>
+    <p:spTree>
+      <p:nvGrpSpPr>
+        <p:cNvPr id="108" name="Shape 108"/>
+        <p:cNvGrpSpPr/>
+        <p:nvPr/>
+      </p:nvGrpSpPr>
+      <p:grpSpPr>
+        <a:xfrm>
+          <a:off x="0" y="0"/>
+          <a:ext cx="0" cy="0"/>
+          <a:chOff x="0" y="0"/>
+          <a:chExt cx="0" cy="0"/>
+        </a:xfrm>
+      </p:grpSpPr>
+      <p:sp>
+        <p:nvSpPr>
+          <p:cNvPr id="109" name="Google Shape;109;g35406abaed9_0_0:notes"/>
+          <p:cNvSpPr/>
+          <p:nvPr>
+            <p:ph idx="2" type="sldImg"/>
+          </p:nvPr>
+        </p:nvSpPr>
+        <p:spPr>
+          <a:xfrm>
+            <a:off x="381300" y="685800"/>
+            <a:ext cx="6096000" cy="3429000"/>
+          </a:xfrm>
+          <a:custGeom>
+            <a:rect b="b" l="l" r="r" t="t"/>
+            <a:pathLst>
+              <a:path extrusionOk="0" h="120000" w="120000">
+                <a:moveTo>
+                  <a:pt x="0" y="0"/>
+                </a:moveTo>
+                <a:lnTo>
+                  <a:pt x="120000" y="0"/>
+                </a:lnTo>
+                <a:lnTo>
+                  <a:pt x="120000" y="120000"/>
+                </a:lnTo>
+                <a:lnTo>
+                  <a:pt x="0" y="120000"/>
+                </a:lnTo>
+                <a:close/>
+              </a:path>
+            </a:pathLst>
+          </a:custGeom>
+        </p:spPr>
+      </p:sp>
+      <p:sp>
+        <p:nvSpPr>
+          <p:cNvPr id="110" name="Google Shape;110;g35406abaed9_0_0:notes"/>
+          <p:cNvSpPr txBox="1"/>
+          <p:nvPr>
+            <p:ph idx="1" type="body"/>
+          </p:nvPr>
+        </p:nvSpPr>
+        <p:spPr>
+          <a:xfrm>
+            <a:off x="685800" y="4343400"/>
+            <a:ext cx="5486400" cy="4114800"/>
+          </a:xfrm>
+          <a:prstGeom prst="rect">
+            <a:avLst/>
+          </a:prstGeom>
+        </p:spPr>
+        <p:txBody>
+          <a:bodyPr anchorCtr="0" anchor="t" bIns="91425" lIns="91425" spcFirstLastPara="1" rIns="91425" wrap="square" tIns="91425">
+            <a:noAutofit/>
+          </a:bodyPr>
+          <a:lstStyle/>
+          <a:p>
+            <a:pPr indent="0" lvl="0" marL="0" rtl="0" algn="l">
+              <a:spcBef>
+                <a:spcPts val="0"/>
+              </a:spcBef>
+              <a:spcAft>
+                <a:spcPts val="0"/>
+              </a:spcAft>
+              <a:buNone/>
+            </a:pPr>
+            <a:r>
+              <a:t/>
+            </a:r>
+            <a:endParaRPr/>
+          </a:p>
+        </p:txBody>
+      </p:sp>
+    </p:spTree>
+  </p:cSld>
+  <p:clrMapOvr>
+    <a:masterClrMapping/>
+  </p:clrMapOvr>
+</p:notes>
+</file>
+
+<file path=ppt/notesSlides/notesSlide11.xml><?xml version="1.0" encoding="utf-8"?>
+<p:notes xmlns:a="http://schemas.openxmlformats.org/drawingml/2006/main" xmlns:r="http://schemas.openxmlformats.org/officeDocument/2006/relationships" xmlns:mc="http://schemas.openxmlformats.org/markup-compatibility/2006" xmlns:mv="urn:schemas-microsoft-com:mac:vml" xmlns:p="http://schemas.openxmlformats.org/presentationml/2006/main" xmlns:c="http://schemas.openxmlformats.org/drawingml/2006/chart" xmlns:dgm="http://schemas.openxmlformats.org/drawingml/2006/diagram" xmlns:o="urn:schemas-microsoft-com:office:office" xmlns:v="urn:schemas-microsoft-com:vml" xmlns:pvml="urn:schemas-microsoft-com:office:powerpoint" xmlns:com="http://schemas.openxmlformats.org/drawingml/2006/compatibility" xmlns:p14="http://schemas.microsoft.com/office/powerpoint/2010/main" xmlns:p15="http://schemas.microsoft.com/office/powerpoint/2012/main" xmlns:ahyp="http://schemas.microsoft.com/office/drawing/2018/hyperlinkcolor" showMasterPhAnim="0" showMasterSp="0">
+  <p:cSld>
+    <p:spTree>
+      <p:nvGrpSpPr>
+        <p:cNvPr id="113" name="Shape 113"/>
+        <p:cNvGrpSpPr/>
+        <p:nvPr/>
+      </p:nvGrpSpPr>
+      <p:grpSpPr>
+        <a:xfrm>
+          <a:off x="0" y="0"/>
+          <a:ext cx="0" cy="0"/>
+          <a:chOff x="0" y="0"/>
+          <a:chExt cx="0" cy="0"/>
+        </a:xfrm>
+      </p:grpSpPr>
+      <p:sp>
+        <p:nvSpPr>
+          <p:cNvPr id="114" name="Google Shape;114;g353d857a964_0_305:notes"/>
+          <p:cNvSpPr/>
+          <p:nvPr>
+            <p:ph idx="2" type="sldImg"/>
+          </p:nvPr>
+        </p:nvSpPr>
+        <p:spPr>
+          <a:xfrm>
+            <a:off x="381300" y="685800"/>
+            <a:ext cx="6096000" cy="3429000"/>
+          </a:xfrm>
+          <a:custGeom>
+            <a:rect b="b" l="l" r="r" t="t"/>
+            <a:pathLst>
+              <a:path extrusionOk="0" h="120000" w="120000">
+                <a:moveTo>
+                  <a:pt x="0" y="0"/>
+                </a:moveTo>
+                <a:lnTo>
+                  <a:pt x="120000" y="0"/>
+                </a:lnTo>
+                <a:lnTo>
+                  <a:pt x="120000" y="120000"/>
+                </a:lnTo>
+                <a:lnTo>
+                  <a:pt x="0" y="120000"/>
+                </a:lnTo>
+                <a:close/>
+              </a:path>
+            </a:pathLst>
+          </a:custGeom>
+        </p:spPr>
+      </p:sp>
+      <p:sp>
+        <p:nvSpPr>
+          <p:cNvPr id="115" name="Google Shape;115;g353d857a964_0_305:notes"/>
+          <p:cNvSpPr txBox="1"/>
+          <p:nvPr>
+            <p:ph idx="1" type="body"/>
+          </p:nvPr>
+        </p:nvSpPr>
+        <p:spPr>
+          <a:xfrm>
+            <a:off x="685800" y="4343400"/>
+            <a:ext cx="5486400" cy="4114800"/>
+          </a:xfrm>
+          <a:prstGeom prst="rect">
+            <a:avLst/>
+          </a:prstGeom>
+        </p:spPr>
+        <p:txBody>
+          <a:bodyPr anchorCtr="0" anchor="t" bIns="91425" lIns="91425" spcFirstLastPara="1" rIns="91425" wrap="square" tIns="91425">
+            <a:noAutofit/>
+          </a:bodyPr>
+          <a:lstStyle/>
+          <a:p>
+            <a:pPr indent="0" lvl="0" marL="0" rtl="0" algn="l">
+              <a:spcBef>
+                <a:spcPts val="0"/>
+              </a:spcBef>
+              <a:spcAft>
+                <a:spcPts val="0"/>
+              </a:spcAft>
+              <a:buNone/>
+            </a:pPr>
+            <a:r>
+              <a:t/>
+            </a:r>
+            <a:endParaRPr/>
+          </a:p>
+        </p:txBody>
+      </p:sp>
+    </p:spTree>
+  </p:cSld>
+  <p:clrMapOvr>
+    <a:masterClrMapping/>
+  </p:clrMapOvr>
+</p:notes>
+</file>
+
+<file path=ppt/notesSlides/notesSlide12.xml><?xml version="1.0" encoding="utf-8"?>
+<p:notes xmlns:a="http://schemas.openxmlformats.org/drawingml/2006/main" xmlns:r="http://schemas.openxmlformats.org/officeDocument/2006/relationships" xmlns:mc="http://schemas.openxmlformats.org/markup-compatibility/2006" xmlns:mv="urn:schemas-microsoft-com:mac:vml" xmlns:p="http://schemas.openxmlformats.org/presentationml/2006/main" xmlns:c="http://schemas.openxmlformats.org/drawingml/2006/chart" xmlns:dgm="http://schemas.openxmlformats.org/drawingml/2006/diagram" xmlns:o="urn:schemas-microsoft-com:office:office" xmlns:v="urn:schemas-microsoft-com:vml" xmlns:pvml="urn:schemas-microsoft-com:office:powerpoint" xmlns:com="http://schemas.openxmlformats.org/drawingml/2006/compatibility" xmlns:p14="http://schemas.microsoft.com/office/powerpoint/2010/main" xmlns:p15="http://schemas.microsoft.com/office/powerpoint/2012/main" xmlns:ahyp="http://schemas.microsoft.com/office/drawing/2018/hyperlinkcolor" showMasterPhAnim="0" showMasterSp="0">
+  <p:cSld>
+    <p:spTree>
+      <p:nvGrpSpPr>
+        <p:cNvPr id="119" name="Shape 119"/>
+        <p:cNvGrpSpPr/>
+        <p:nvPr/>
+      </p:nvGrpSpPr>
+      <p:grpSpPr>
+        <a:xfrm>
+          <a:off x="0" y="0"/>
+          <a:ext cx="0" cy="0"/>
+          <a:chOff x="0" y="0"/>
+          <a:chExt cx="0" cy="0"/>
+        </a:xfrm>
+      </p:grpSpPr>
+      <p:sp>
+        <p:nvSpPr>
+          <p:cNvPr id="120" name="Google Shape;120;g353d857a964_0_330:notes"/>
+          <p:cNvSpPr/>
+          <p:nvPr>
+            <p:ph idx="2" type="sldImg"/>
+          </p:nvPr>
+        </p:nvSpPr>
+        <p:spPr>
+          <a:xfrm>
+            <a:off x="381300" y="685800"/>
+            <a:ext cx="6096000" cy="3429000"/>
+          </a:xfrm>
+          <a:custGeom>
+            <a:rect b="b" l="l" r="r" t="t"/>
+            <a:pathLst>
+              <a:path extrusionOk="0" h="120000" w="120000">
+                <a:moveTo>
+                  <a:pt x="0" y="0"/>
+                </a:moveTo>
+                <a:lnTo>
+                  <a:pt x="120000" y="0"/>
+                </a:lnTo>
+                <a:lnTo>
+                  <a:pt x="120000" y="120000"/>
+                </a:lnTo>
+                <a:lnTo>
+                  <a:pt x="0" y="120000"/>
+                </a:lnTo>
+                <a:close/>
+              </a:path>
+            </a:pathLst>
+          </a:custGeom>
+        </p:spPr>
+      </p:sp>
+      <p:sp>
+        <p:nvSpPr>
+          <p:cNvPr id="121" name="Google Shape;121;g353d857a964_0_330:notes"/>
+          <p:cNvSpPr txBox="1"/>
+          <p:nvPr>
+            <p:ph idx="1" type="body"/>
+          </p:nvPr>
+        </p:nvSpPr>
+        <p:spPr>
+          <a:xfrm>
+            <a:off x="685800" y="4343400"/>
+            <a:ext cx="5486400" cy="4114800"/>
+          </a:xfrm>
+          <a:prstGeom prst="rect">
+            <a:avLst/>
+          </a:prstGeom>
+        </p:spPr>
+        <p:txBody>
+          <a:bodyPr anchorCtr="0" anchor="t" bIns="91425" lIns="91425" spcFirstLastPara="1" rIns="91425" wrap="square" tIns="91425">
+            <a:noAutofit/>
+          </a:bodyPr>
+          <a:lstStyle/>
+          <a:p>
+            <a:pPr indent="0" lvl="0" marL="0" rtl="0" algn="l">
+              <a:spcBef>
+                <a:spcPts val="0"/>
+              </a:spcBef>
+              <a:spcAft>
+                <a:spcPts val="0"/>
+              </a:spcAft>
+              <a:buNone/>
+            </a:pPr>
+            <a:r>
+              <a:t/>
+            </a:r>
+            <a:endParaRPr/>
+          </a:p>
+        </p:txBody>
+      </p:sp>
+    </p:spTree>
+  </p:cSld>
+  <p:clrMapOvr>
+    <a:masterClrMapping/>
+  </p:clrMapOvr>
+</p:notes>
+</file>
+
+<file path=ppt/notesSlides/notesSlide13.xml><?xml version="1.0" encoding="utf-8"?>
+<p:notes xmlns:a="http://schemas.openxmlformats.org/drawingml/2006/main" xmlns:r="http://schemas.openxmlformats.org/officeDocument/2006/relationships" xmlns:mc="http://schemas.openxmlformats.org/markup-compatibility/2006" xmlns:mv="urn:schemas-microsoft-com:mac:vml" xmlns:p="http://schemas.openxmlformats.org/presentationml/2006/main" xmlns:c="http://schemas.openxmlformats.org/drawingml/2006/chart" xmlns:dgm="http://schemas.openxmlformats.org/drawingml/2006/diagram" xmlns:o="urn:schemas-microsoft-com:office:office" xmlns:v="urn:schemas-microsoft-com:vml" xmlns:pvml="urn:schemas-microsoft-com:office:powerpoint" xmlns:com="http://schemas.openxmlformats.org/drawingml/2006/compatibility" xmlns:p14="http://schemas.microsoft.com/office/powerpoint/2010/main" xmlns:p15="http://schemas.microsoft.com/office/powerpoint/2012/main" xmlns:ahyp="http://schemas.microsoft.com/office/drawing/2018/hyperlinkcolor" showMasterPhAnim="0" showMasterSp="0">
+  <p:cSld>
+    <p:spTree>
+      <p:nvGrpSpPr>
+        <p:cNvPr id="125" name="Shape 125"/>
+        <p:cNvGrpSpPr/>
+        <p:nvPr/>
+      </p:nvGrpSpPr>
+      <p:grpSpPr>
+        <a:xfrm>
+          <a:off x="0" y="0"/>
+          <a:ext cx="0" cy="0"/>
+          <a:chOff x="0" y="0"/>
+          <a:chExt cx="0" cy="0"/>
+        </a:xfrm>
+      </p:grpSpPr>
+      <p:sp>
+        <p:nvSpPr>
+          <p:cNvPr id="126" name="Google Shape;126;g355b0389087_1_31:notes"/>
+          <p:cNvSpPr/>
+          <p:nvPr>
+            <p:ph idx="2" type="sldImg"/>
+          </p:nvPr>
+        </p:nvSpPr>
+        <p:spPr>
+          <a:xfrm>
+            <a:off x="381300" y="685800"/>
+            <a:ext cx="6096000" cy="3429000"/>
+          </a:xfrm>
+          <a:custGeom>
+            <a:rect b="b" l="l" r="r" t="t"/>
+            <a:pathLst>
+              <a:path extrusionOk="0" h="120000" w="120000">
+                <a:moveTo>
+                  <a:pt x="0" y="0"/>
+                </a:moveTo>
+                <a:lnTo>
+                  <a:pt x="120000" y="0"/>
+                </a:lnTo>
+                <a:lnTo>
+                  <a:pt x="120000" y="120000"/>
+                </a:lnTo>
+                <a:lnTo>
+                  <a:pt x="0" y="120000"/>
+                </a:lnTo>
+                <a:close/>
+              </a:path>
+            </a:pathLst>
+          </a:custGeom>
+        </p:spPr>
+      </p:sp>
+      <p:sp>
+        <p:nvSpPr>
+          <p:cNvPr id="127" name="Google Shape;127;g355b0389087_1_31:notes"/>
+          <p:cNvSpPr txBox="1"/>
+          <p:nvPr>
+            <p:ph idx="1" type="body"/>
+          </p:nvPr>
+        </p:nvSpPr>
+        <p:spPr>
+          <a:xfrm>
+            <a:off x="685800" y="4343400"/>
+            <a:ext cx="5486400" cy="4114800"/>
+          </a:xfrm>
+          <a:prstGeom prst="rect">
+            <a:avLst/>
+          </a:prstGeom>
+        </p:spPr>
+        <p:txBody>
+          <a:bodyPr anchorCtr="0" anchor="t" bIns="91425" lIns="91425" spcFirstLastPara="1" rIns="91425" wrap="square" tIns="91425">
+            <a:noAutofit/>
+          </a:bodyPr>
+          <a:lstStyle/>
+          <a:p>
+            <a:pPr indent="0" lvl="0" marL="0" rtl="0" algn="l">
+              <a:spcBef>
+                <a:spcPts val="0"/>
+              </a:spcBef>
+              <a:spcAft>
+                <a:spcPts val="0"/>
+              </a:spcAft>
+              <a:buNone/>
+            </a:pPr>
+            <a:r>
+              <a:t/>
+            </a:r>
+            <a:endParaRPr/>
+          </a:p>
+        </p:txBody>
+      </p:sp>
+    </p:spTree>
+  </p:cSld>
+  <p:clrMapOvr>
+    <a:masterClrMapping/>
+  </p:clrMapOvr>
+</p:notes>
+</file>
+
+<file path=ppt/notesSlides/notesSlide14.xml><?xml version="1.0" encoding="utf-8"?>
+<p:notes xmlns:a="http://schemas.openxmlformats.org/drawingml/2006/main" xmlns:r="http://schemas.openxmlformats.org/officeDocument/2006/relationships" xmlns:mc="http://schemas.openxmlformats.org/markup-compatibility/2006" xmlns:mv="urn:schemas-microsoft-com:mac:vml" xmlns:p="http://schemas.openxmlformats.org/presentationml/2006/main" xmlns:c="http://schemas.openxmlformats.org/drawingml/2006/chart" xmlns:dgm="http://schemas.openxmlformats.org/drawingml/2006/diagram" xmlns:o="urn:schemas-microsoft-com:office:office" xmlns:v="urn:schemas-microsoft-com:vml" xmlns:pvml="urn:schemas-microsoft-com:office:powerpoint" xmlns:com="http://schemas.openxmlformats.org/drawingml/2006/compatibility" xmlns:p14="http://schemas.microsoft.com/office/powerpoint/2010/main" xmlns:p15="http://schemas.microsoft.com/office/powerpoint/2012/main" xmlns:ahyp="http://schemas.microsoft.com/office/drawing/2018/hyperlinkcolor" showMasterPhAnim="0" showMasterSp="0">
+  <p:cSld>
+    <p:spTree>
+      <p:nvGrpSpPr>
+        <p:cNvPr id="130" name="Shape 130"/>
+        <p:cNvGrpSpPr/>
+        <p:nvPr/>
+      </p:nvGrpSpPr>
+      <p:grpSpPr>
+        <a:xfrm>
+          <a:off x="0" y="0"/>
+          <a:ext cx="0" cy="0"/>
+          <a:chOff x="0" y="0"/>
+          <a:chExt cx="0" cy="0"/>
+        </a:xfrm>
+      </p:grpSpPr>
+      <p:sp>
+        <p:nvSpPr>
+          <p:cNvPr id="131" name="Google Shape;131;g353d857a964_0_338:notes"/>
+          <p:cNvSpPr/>
+          <p:nvPr>
+            <p:ph idx="2" type="sldImg"/>
+          </p:nvPr>
+        </p:nvSpPr>
+        <p:spPr>
+          <a:xfrm>
+            <a:off x="381300" y="685800"/>
+            <a:ext cx="6096000" cy="3429000"/>
+          </a:xfrm>
+          <a:custGeom>
+            <a:rect b="b" l="l" r="r" t="t"/>
+            <a:pathLst>
+              <a:path extrusionOk="0" h="120000" w="120000">
+                <a:moveTo>
+                  <a:pt x="0" y="0"/>
+                </a:moveTo>
+                <a:lnTo>
+                  <a:pt x="120000" y="0"/>
+                </a:lnTo>
+                <a:lnTo>
+                  <a:pt x="120000" y="120000"/>
+                </a:lnTo>
+                <a:lnTo>
+                  <a:pt x="0" y="120000"/>
+                </a:lnTo>
+                <a:close/>
+              </a:path>
+            </a:pathLst>
+          </a:custGeom>
+        </p:spPr>
+      </p:sp>
+      <p:sp>
+        <p:nvSpPr>
+          <p:cNvPr id="132" name="Google Shape;132;g353d857a964_0_338:notes"/>
+          <p:cNvSpPr txBox="1"/>
+          <p:nvPr>
+            <p:ph idx="1" type="body"/>
+          </p:nvPr>
+        </p:nvSpPr>
+        <p:spPr>
+          <a:xfrm>
+            <a:off x="685800" y="4343400"/>
+            <a:ext cx="5486400" cy="4114800"/>
+          </a:xfrm>
+          <a:prstGeom prst="rect">
+            <a:avLst/>
+          </a:prstGeom>
+        </p:spPr>
+        <p:txBody>
+          <a:bodyPr anchorCtr="0" anchor="t" bIns="91425" lIns="91425" spcFirstLastPara="1" rIns="91425" wrap="square" tIns="91425">
+            <a:noAutofit/>
+          </a:bodyPr>
+          <a:lstStyle/>
+          <a:p>
+            <a:pPr indent="0" lvl="0" marL="0" rtl="0" algn="l">
+              <a:spcBef>
+                <a:spcPts val="0"/>
+              </a:spcBef>
+              <a:spcAft>
+                <a:spcPts val="0"/>
+              </a:spcAft>
+              <a:buNone/>
+            </a:pPr>
+            <a:r>
+              <a:t/>
+            </a:r>
+            <a:endParaRPr/>
+          </a:p>
+        </p:txBody>
+      </p:sp>
+    </p:spTree>
+  </p:cSld>
+  <p:clrMapOvr>
+    <a:masterClrMapping/>
+  </p:clrMapOvr>
+</p:notes>
+</file>
+
 <file path=ppt/notesSlides/notesSlide2.xml><?xml version="1.0" encoding="utf-8"?>
 <p:notes xmlns:a="http://schemas.openxmlformats.org/drawingml/2006/main" xmlns:r="http://schemas.openxmlformats.org/officeDocument/2006/relationships" xmlns:mc="http://schemas.openxmlformats.org/markup-compatibility/2006" xmlns:mv="urn:schemas-microsoft-com:mac:vml" xmlns:p="http://schemas.openxmlformats.org/presentationml/2006/main" xmlns:c="http://schemas.openxmlformats.org/drawingml/2006/chart" xmlns:dgm="http://schemas.openxmlformats.org/drawingml/2006/diagram" xmlns:o="urn:schemas-microsoft-com:office:office" xmlns:v="urn:schemas-microsoft-com:vml" xmlns:pvml="urn:schemas-microsoft-com:office:powerpoint" xmlns:com="http://schemas.openxmlformats.org/drawingml/2006/compatibility" xmlns:p14="http://schemas.microsoft.com/office/powerpoint/2010/main" xmlns:p15="http://schemas.microsoft.com/office/powerpoint/2012/main" xmlns:ahyp="http://schemas.microsoft.com/office/drawing/2018/hyperlinkcolor" showMasterPhAnim="0" showMasterSp="0">
   <p:cSld>
@@ -926,7 +1427,7 @@
       </p:grpSpPr>
       <p:sp>
         <p:nvSpPr>
-          <p:cNvPr id="68" name="Google Shape;68;g353d857a964_0_305:notes"/>
+          <p:cNvPr id="68" name="Google Shape;68;g353d857a964_0_314:notes"/>
           <p:cNvSpPr/>
           <p:nvPr>
             <p:ph idx="2" type="sldImg"/>
@@ -961,7 +1462,7 @@
       </p:sp>
       <p:sp>
         <p:nvSpPr>
-          <p:cNvPr id="69" name="Google Shape;69;g353d857a964_0_305:notes"/>
+          <p:cNvPr id="69" name="Google Shape;69;g353d857a964_0_314:notes"/>
           <p:cNvSpPr txBox="1"/>
           <p:nvPr>
             <p:ph idx="1" type="body"/>
@@ -1025,7 +1526,7 @@
       </p:grpSpPr>
       <p:sp>
         <p:nvSpPr>
-          <p:cNvPr id="74" name="Google Shape;74;g353d857a964_0_314:notes"/>
+          <p:cNvPr id="74" name="Google Shape;74;g353d857a964_0_321:notes"/>
           <p:cNvSpPr/>
           <p:nvPr>
             <p:ph idx="2" type="sldImg"/>
@@ -1060,7 +1561,7 @@
       </p:sp>
       <p:sp>
         <p:nvSpPr>
-          <p:cNvPr id="75" name="Google Shape;75;g353d857a964_0_314:notes"/>
+          <p:cNvPr id="75" name="Google Shape;75;g353d857a964_0_321:notes"/>
           <p:cNvSpPr txBox="1"/>
           <p:nvPr>
             <p:ph idx="1" type="body"/>
@@ -1110,7 +1611,7 @@
   <p:cSld>
     <p:spTree>
       <p:nvGrpSpPr>
-        <p:cNvPr id="79" name="Shape 79"/>
+        <p:cNvPr id="80" name="Shape 80"/>
         <p:cNvGrpSpPr/>
         <p:nvPr/>
       </p:nvGrpSpPr>
@@ -1124,7 +1625,7 @@
       </p:grpSpPr>
       <p:sp>
         <p:nvSpPr>
-          <p:cNvPr id="80" name="Google Shape;80;g353d857a964_0_321:notes"/>
+          <p:cNvPr id="81" name="Google Shape;81;g355b0389087_1_5:notes"/>
           <p:cNvSpPr/>
           <p:nvPr>
             <p:ph idx="2" type="sldImg"/>
@@ -1159,7 +1660,7 @@
       </p:sp>
       <p:sp>
         <p:nvSpPr>
-          <p:cNvPr id="81" name="Google Shape;81;g353d857a964_0_321:notes"/>
+          <p:cNvPr id="82" name="Google Shape;82;g355b0389087_1_5:notes"/>
           <p:cNvSpPr txBox="1"/>
           <p:nvPr>
             <p:ph idx="1" type="body"/>
@@ -1209,7 +1710,7 @@
   <p:cSld>
     <p:spTree>
       <p:nvGrpSpPr>
-        <p:cNvPr id="86" name="Shape 86"/>
+        <p:cNvPr id="85" name="Shape 85"/>
         <p:cNvGrpSpPr/>
         <p:nvPr/>
       </p:nvGrpSpPr>
@@ -1223,7 +1724,7 @@
       </p:grpSpPr>
       <p:sp>
         <p:nvSpPr>
-          <p:cNvPr id="87" name="Google Shape;87;g353d857a964_0_330:notes"/>
+          <p:cNvPr id="86" name="Google Shape;86;g355b0389087_1_11:notes"/>
           <p:cNvSpPr/>
           <p:nvPr>
             <p:ph idx="2" type="sldImg"/>
@@ -1258,7 +1759,7 @@
       </p:sp>
       <p:sp>
         <p:nvSpPr>
-          <p:cNvPr id="88" name="Google Shape;88;g353d857a964_0_330:notes"/>
+          <p:cNvPr id="87" name="Google Shape;87;g355b0389087_1_11:notes"/>
           <p:cNvSpPr txBox="1"/>
           <p:nvPr>
             <p:ph idx="1" type="body"/>
@@ -1308,7 +1809,7 @@
   <p:cSld>
     <p:spTree>
       <p:nvGrpSpPr>
-        <p:cNvPr id="92" name="Shape 92"/>
+        <p:cNvPr id="91" name="Shape 91"/>
         <p:cNvGrpSpPr/>
         <p:nvPr/>
       </p:nvGrpSpPr>
@@ -1322,7 +1823,7 @@
       </p:grpSpPr>
       <p:sp>
         <p:nvSpPr>
-          <p:cNvPr id="93" name="Google Shape;93;g35406abaed9_0_0:notes"/>
+          <p:cNvPr id="92" name="Google Shape;92;g355b0389087_1_18:notes"/>
           <p:cNvSpPr/>
           <p:nvPr>
             <p:ph idx="2" type="sldImg"/>
@@ -1357,7 +1858,7 @@
       </p:sp>
       <p:sp>
         <p:nvSpPr>
-          <p:cNvPr id="94" name="Google Shape;94;g35406abaed9_0_0:notes"/>
+          <p:cNvPr id="93" name="Google Shape;93;g355b0389087_1_18:notes"/>
           <p:cNvSpPr txBox="1"/>
           <p:nvPr>
             <p:ph idx="1" type="body"/>
@@ -1407,7 +1908,7 @@
   <p:cSld>
     <p:spTree>
       <p:nvGrpSpPr>
-        <p:cNvPr id="97" name="Shape 97"/>
+        <p:cNvPr id="96" name="Shape 96"/>
         <p:cNvGrpSpPr/>
         <p:nvPr/>
       </p:nvGrpSpPr>
@@ -1421,7 +1922,7 @@
       </p:grpSpPr>
       <p:sp>
         <p:nvSpPr>
-          <p:cNvPr id="98" name="Google Shape;98;g353d857a964_0_338:notes"/>
+          <p:cNvPr id="97" name="Google Shape;97;g355b0389087_1_25:notes"/>
           <p:cNvSpPr/>
           <p:nvPr>
             <p:ph idx="2" type="sldImg"/>
@@ -1456,7 +1957,106 @@
       </p:sp>
       <p:sp>
         <p:nvSpPr>
-          <p:cNvPr id="99" name="Google Shape;99;g353d857a964_0_338:notes"/>
+          <p:cNvPr id="98" name="Google Shape;98;g355b0389087_1_25:notes"/>
+          <p:cNvSpPr txBox="1"/>
+          <p:nvPr>
+            <p:ph idx="1" type="body"/>
+          </p:nvPr>
+        </p:nvSpPr>
+        <p:spPr>
+          <a:xfrm>
+            <a:off x="685800" y="4343400"/>
+            <a:ext cx="5486400" cy="4114800"/>
+          </a:xfrm>
+          <a:prstGeom prst="rect">
+            <a:avLst/>
+          </a:prstGeom>
+        </p:spPr>
+        <p:txBody>
+          <a:bodyPr anchorCtr="0" anchor="t" bIns="91425" lIns="91425" spcFirstLastPara="1" rIns="91425" wrap="square" tIns="91425">
+            <a:noAutofit/>
+          </a:bodyPr>
+          <a:lstStyle/>
+          <a:p>
+            <a:pPr indent="0" lvl="0" marL="0" rtl="0" algn="l">
+              <a:spcBef>
+                <a:spcPts val="0"/>
+              </a:spcBef>
+              <a:spcAft>
+                <a:spcPts val="0"/>
+              </a:spcAft>
+              <a:buNone/>
+            </a:pPr>
+            <a:r>
+              <a:t/>
+            </a:r>
+            <a:endParaRPr/>
+          </a:p>
+        </p:txBody>
+      </p:sp>
+    </p:spTree>
+  </p:cSld>
+  <p:clrMapOvr>
+    <a:masterClrMapping/>
+  </p:clrMapOvr>
+</p:notes>
+</file>
+
+<file path=ppt/notesSlides/notesSlide9.xml><?xml version="1.0" encoding="utf-8"?>
+<p:notes xmlns:a="http://schemas.openxmlformats.org/drawingml/2006/main" xmlns:r="http://schemas.openxmlformats.org/officeDocument/2006/relationships" xmlns:mc="http://schemas.openxmlformats.org/markup-compatibility/2006" xmlns:mv="urn:schemas-microsoft-com:mac:vml" xmlns:p="http://schemas.openxmlformats.org/presentationml/2006/main" xmlns:c="http://schemas.openxmlformats.org/drawingml/2006/chart" xmlns:dgm="http://schemas.openxmlformats.org/drawingml/2006/diagram" xmlns:o="urn:schemas-microsoft-com:office:office" xmlns:v="urn:schemas-microsoft-com:vml" xmlns:pvml="urn:schemas-microsoft-com:office:powerpoint" xmlns:com="http://schemas.openxmlformats.org/drawingml/2006/compatibility" xmlns:p14="http://schemas.microsoft.com/office/powerpoint/2010/main" xmlns:p15="http://schemas.microsoft.com/office/powerpoint/2012/main" xmlns:ahyp="http://schemas.microsoft.com/office/drawing/2018/hyperlinkcolor" showMasterPhAnim="0" showMasterSp="0">
+  <p:cSld>
+    <p:spTree>
+      <p:nvGrpSpPr>
+        <p:cNvPr id="101" name="Shape 101"/>
+        <p:cNvGrpSpPr/>
+        <p:nvPr/>
+      </p:nvGrpSpPr>
+      <p:grpSpPr>
+        <a:xfrm>
+          <a:off x="0" y="0"/>
+          <a:ext cx="0" cy="0"/>
+          <a:chOff x="0" y="0"/>
+          <a:chExt cx="0" cy="0"/>
+        </a:xfrm>
+      </p:grpSpPr>
+      <p:sp>
+        <p:nvSpPr>
+          <p:cNvPr id="102" name="Google Shape;102;g355b0389087_1_0:notes"/>
+          <p:cNvSpPr/>
+          <p:nvPr>
+            <p:ph idx="2" type="sldImg"/>
+          </p:nvPr>
+        </p:nvSpPr>
+        <p:spPr>
+          <a:xfrm>
+            <a:off x="381300" y="685800"/>
+            <a:ext cx="6096000" cy="3429000"/>
+          </a:xfrm>
+          <a:custGeom>
+            <a:rect b="b" l="l" r="r" t="t"/>
+            <a:pathLst>
+              <a:path extrusionOk="0" h="120000" w="120000">
+                <a:moveTo>
+                  <a:pt x="0" y="0"/>
+                </a:moveTo>
+                <a:lnTo>
+                  <a:pt x="120000" y="0"/>
+                </a:lnTo>
+                <a:lnTo>
+                  <a:pt x="120000" y="120000"/>
+                </a:lnTo>
+                <a:lnTo>
+                  <a:pt x="0" y="120000"/>
+                </a:lnTo>
+                <a:close/>
+              </a:path>
+            </a:pathLst>
+          </a:custGeom>
+        </p:spPr>
+      </p:sp>
+      <p:sp>
+        <p:nvSpPr>
+          <p:cNvPr id="103" name="Google Shape;103;g355b0389087_1_0:notes"/>
           <p:cNvSpPr txBox="1"/>
           <p:nvPr>
             <p:ph idx="1" type="body"/>
@@ -6888,8 +7488,8 @@
         </p:nvSpPr>
         <p:spPr>
           <a:xfrm>
-            <a:off x="334050" y="3389025"/>
-            <a:ext cx="8475900" cy="1116600"/>
+            <a:off x="296750" y="3389025"/>
+            <a:ext cx="8475900" cy="1617600"/>
           </a:xfrm>
           <a:prstGeom prst="rect">
             <a:avLst/>
@@ -6897,7 +7497,7 @@
         </p:spPr>
         <p:txBody>
           <a:bodyPr anchorCtr="0" anchor="t" bIns="91425" lIns="91425" spcFirstLastPara="1" rIns="91425" wrap="square" tIns="91425">
-            <a:normAutofit lnSpcReduction="10000"/>
+            <a:normAutofit/>
           </a:bodyPr>
           <a:lstStyle/>
           <a:p>
@@ -6959,6 +7559,1132 @@
               <a:t>Рачинский Максим Б01-303</a:t>
             </a:r>
             <a:endParaRPr sz="1940"/>
+          </a:p>
+          <a:p>
+            <a:pPr indent="0" lvl="0" marL="0" rtl="0" algn="l">
+              <a:lnSpc>
+                <a:spcPct val="115000"/>
+              </a:lnSpc>
+              <a:spcBef>
+                <a:spcPts val="0"/>
+              </a:spcBef>
+              <a:spcAft>
+                <a:spcPts val="0"/>
+              </a:spcAft>
+              <a:buNone/>
+            </a:pPr>
+            <a:r>
+              <a:rPr lang="ru" sz="1940"/>
+              <a:t>Исходники: https://github.com/khmelnitskiianton/terminal-emulator</a:t>
+            </a:r>
+            <a:endParaRPr sz="1940"/>
+          </a:p>
+        </p:txBody>
+      </p:sp>
+    </p:spTree>
+  </p:cSld>
+  <p:clrMapOvr>
+    <a:masterClrMapping/>
+  </p:clrMapOvr>
+</p:sld>
+</file>
+
+<file path=ppt/slides/slide10.xml><?xml version="1.0" encoding="utf-8"?>
+<p:sld xmlns:a="http://schemas.openxmlformats.org/drawingml/2006/main" xmlns:r="http://schemas.openxmlformats.org/officeDocument/2006/relationships" xmlns:mc="http://schemas.openxmlformats.org/markup-compatibility/2006" xmlns:mv="urn:schemas-microsoft-com:mac:vml" xmlns:p="http://schemas.openxmlformats.org/presentationml/2006/main" xmlns:c="http://schemas.openxmlformats.org/drawingml/2006/chart" xmlns:dgm="http://schemas.openxmlformats.org/drawingml/2006/diagram" xmlns:o="urn:schemas-microsoft-com:office:office" xmlns:v="urn:schemas-microsoft-com:vml" xmlns:pvml="urn:schemas-microsoft-com:office:powerpoint" xmlns:com="http://schemas.openxmlformats.org/drawingml/2006/compatibility" xmlns:p14="http://schemas.microsoft.com/office/powerpoint/2010/main" xmlns:p15="http://schemas.microsoft.com/office/powerpoint/2012/main" xmlns:ahyp="http://schemas.microsoft.com/office/drawing/2018/hyperlinkcolor">
+  <p:cSld>
+    <p:spTree>
+      <p:nvGrpSpPr>
+        <p:cNvPr id="111" name="Shape 111"/>
+        <p:cNvGrpSpPr/>
+        <p:nvPr/>
+      </p:nvGrpSpPr>
+      <p:grpSpPr>
+        <a:xfrm>
+          <a:off x="0" y="0"/>
+          <a:ext cx="0" cy="0"/>
+          <a:chOff x="0" y="0"/>
+          <a:chExt cx="0" cy="0"/>
+        </a:xfrm>
+      </p:grpSpPr>
+      <p:pic>
+        <p:nvPicPr>
+          <p:cNvPr id="112" name="Google Shape;112;p22"/>
+          <p:cNvPicPr preferRelativeResize="0"/>
+          <p:nvPr/>
+        </p:nvPicPr>
+        <p:blipFill rotWithShape="1">
+          <a:blip r:embed="rId3">
+            <a:alphaModFix/>
+          </a:blip>
+          <a:srcRect b="43045" l="0" r="0" t="0"/>
+          <a:stretch/>
+        </p:blipFill>
+        <p:spPr>
+          <a:xfrm>
+            <a:off x="1066948" y="0"/>
+            <a:ext cx="7010101" cy="5143500"/>
+          </a:xfrm>
+          <a:prstGeom prst="rect">
+            <a:avLst/>
+          </a:prstGeom>
+          <a:noFill/>
+          <a:ln>
+            <a:noFill/>
+          </a:ln>
+        </p:spPr>
+      </p:pic>
+    </p:spTree>
+  </p:cSld>
+  <p:clrMapOvr>
+    <a:masterClrMapping/>
+  </p:clrMapOvr>
+</p:sld>
+</file>
+
+<file path=ppt/slides/slide11.xml><?xml version="1.0" encoding="utf-8"?>
+<p:sld xmlns:a="http://schemas.openxmlformats.org/drawingml/2006/main" xmlns:r="http://schemas.openxmlformats.org/officeDocument/2006/relationships" xmlns:mc="http://schemas.openxmlformats.org/markup-compatibility/2006" xmlns:mv="urn:schemas-microsoft-com:mac:vml" xmlns:p="http://schemas.openxmlformats.org/presentationml/2006/main" xmlns:c="http://schemas.openxmlformats.org/drawingml/2006/chart" xmlns:dgm="http://schemas.openxmlformats.org/drawingml/2006/diagram" xmlns:o="urn:schemas-microsoft-com:office:office" xmlns:v="urn:schemas-microsoft-com:vml" xmlns:pvml="urn:schemas-microsoft-com:office:powerpoint" xmlns:com="http://schemas.openxmlformats.org/drawingml/2006/compatibility" xmlns:p14="http://schemas.microsoft.com/office/powerpoint/2010/main" xmlns:p15="http://schemas.microsoft.com/office/powerpoint/2012/main" xmlns:ahyp="http://schemas.microsoft.com/office/drawing/2018/hyperlinkcolor">
+  <p:cSld>
+    <p:spTree>
+      <p:nvGrpSpPr>
+        <p:cNvPr id="116" name="Shape 116"/>
+        <p:cNvGrpSpPr/>
+        <p:nvPr/>
+      </p:nvGrpSpPr>
+      <p:grpSpPr>
+        <a:xfrm>
+          <a:off x="0" y="0"/>
+          <a:ext cx="0" cy="0"/>
+          <a:chOff x="0" y="0"/>
+          <a:chExt cx="0" cy="0"/>
+        </a:xfrm>
+      </p:grpSpPr>
+      <p:sp>
+        <p:nvSpPr>
+          <p:cNvPr id="117" name="Google Shape;117;p23"/>
+          <p:cNvSpPr txBox="1"/>
+          <p:nvPr>
+            <p:ph type="title"/>
+          </p:nvPr>
+        </p:nvSpPr>
+        <p:spPr>
+          <a:xfrm>
+            <a:off x="311700" y="445025"/>
+            <a:ext cx="8520600" cy="572700"/>
+          </a:xfrm>
+          <a:prstGeom prst="rect">
+            <a:avLst/>
+          </a:prstGeom>
+        </p:spPr>
+        <p:txBody>
+          <a:bodyPr anchorCtr="0" anchor="t" bIns="91425" lIns="91425" spcFirstLastPara="1" rIns="91425" wrap="square" tIns="91425">
+            <a:normAutofit fontScale="90000"/>
+          </a:bodyPr>
+          <a:lstStyle/>
+          <a:p>
+            <a:pPr indent="0" lvl="0" marL="0" rtl="0" algn="l">
+              <a:spcBef>
+                <a:spcPts val="0"/>
+              </a:spcBef>
+              <a:spcAft>
+                <a:spcPts val="0"/>
+              </a:spcAft>
+              <a:buNone/>
+            </a:pPr>
+            <a:r>
+              <a:rPr lang="ru"/>
+              <a:t>🛠️ Используемый стек технологий</a:t>
+            </a:r>
+            <a:endParaRPr/>
+          </a:p>
+        </p:txBody>
+      </p:sp>
+      <p:sp>
+        <p:nvSpPr>
+          <p:cNvPr id="118" name="Google Shape;118;p23"/>
+          <p:cNvSpPr txBox="1"/>
+          <p:nvPr>
+            <p:ph idx="1" type="body"/>
+          </p:nvPr>
+        </p:nvSpPr>
+        <p:spPr>
+          <a:xfrm>
+            <a:off x="311700" y="1152475"/>
+            <a:ext cx="8520600" cy="3416400"/>
+          </a:xfrm>
+          <a:prstGeom prst="rect">
+            <a:avLst/>
+          </a:prstGeom>
+        </p:spPr>
+        <p:txBody>
+          <a:bodyPr anchorCtr="0" anchor="t" bIns="91425" lIns="91425" spcFirstLastPara="1" rIns="91425" wrap="square" tIns="91425">
+            <a:normAutofit lnSpcReduction="20000"/>
+          </a:bodyPr>
+          <a:lstStyle/>
+          <a:p>
+            <a:pPr indent="-323850" lvl="0" marL="457200" rtl="0" algn="l">
+              <a:spcBef>
+                <a:spcPts val="0"/>
+              </a:spcBef>
+              <a:spcAft>
+                <a:spcPts val="0"/>
+              </a:spcAft>
+              <a:buClr>
+                <a:srgbClr val="000000"/>
+              </a:buClr>
+              <a:buSzPts val="1500"/>
+              <a:buFont typeface="Arial"/>
+              <a:buChar char="●"/>
+            </a:pPr>
+            <a:r>
+              <a:rPr b="1" lang="ru" sz="1500">
+                <a:solidFill>
+                  <a:srgbClr val="000000"/>
+                </a:solidFill>
+                <a:latin typeface="Arial"/>
+                <a:ea typeface="Arial"/>
+                <a:cs typeface="Arial"/>
+                <a:sym typeface="Arial"/>
+              </a:rPr>
+              <a:t>Язык программирования:</a:t>
+            </a:r>
+            <a:r>
+              <a:rPr lang="ru" sz="1500">
+                <a:solidFill>
+                  <a:srgbClr val="000000"/>
+                </a:solidFill>
+                <a:latin typeface="Arial"/>
+                <a:ea typeface="Arial"/>
+                <a:cs typeface="Arial"/>
+                <a:sym typeface="Arial"/>
+              </a:rPr>
+              <a:t> C++, C</a:t>
+            </a:r>
+            <a:endParaRPr sz="1500">
+              <a:solidFill>
+                <a:srgbClr val="000000"/>
+              </a:solidFill>
+              <a:latin typeface="Arial"/>
+              <a:ea typeface="Arial"/>
+              <a:cs typeface="Arial"/>
+              <a:sym typeface="Arial"/>
+            </a:endParaRPr>
+          </a:p>
+          <a:p>
+            <a:pPr indent="-323850" lvl="0" marL="457200" rtl="0" algn="l">
+              <a:spcBef>
+                <a:spcPts val="0"/>
+              </a:spcBef>
+              <a:spcAft>
+                <a:spcPts val="0"/>
+              </a:spcAft>
+              <a:buClr>
+                <a:srgbClr val="000000"/>
+              </a:buClr>
+              <a:buSzPts val="1500"/>
+              <a:buFont typeface="Arial"/>
+              <a:buChar char="●"/>
+            </a:pPr>
+            <a:r>
+              <a:rPr b="1" lang="ru" sz="1500">
+                <a:solidFill>
+                  <a:srgbClr val="000000"/>
+                </a:solidFill>
+                <a:latin typeface="Arial"/>
+                <a:ea typeface="Arial"/>
+                <a:cs typeface="Arial"/>
+                <a:sym typeface="Arial"/>
+              </a:rPr>
+              <a:t>Программа разработки: </a:t>
+            </a:r>
+            <a:r>
+              <a:rPr lang="ru" sz="1500">
+                <a:solidFill>
+                  <a:srgbClr val="000000"/>
+                </a:solidFill>
+                <a:latin typeface="Arial"/>
+                <a:ea typeface="Arial"/>
+                <a:cs typeface="Arial"/>
+                <a:sym typeface="Arial"/>
+              </a:rPr>
+              <a:t>Visual Studio Code</a:t>
+            </a:r>
+            <a:endParaRPr sz="1500">
+              <a:solidFill>
+                <a:srgbClr val="000000"/>
+              </a:solidFill>
+              <a:latin typeface="Arial"/>
+              <a:ea typeface="Arial"/>
+              <a:cs typeface="Arial"/>
+              <a:sym typeface="Arial"/>
+            </a:endParaRPr>
+          </a:p>
+          <a:p>
+            <a:pPr indent="-323850" lvl="0" marL="457200" rtl="0" algn="l">
+              <a:spcBef>
+                <a:spcPts val="0"/>
+              </a:spcBef>
+              <a:spcAft>
+                <a:spcPts val="0"/>
+              </a:spcAft>
+              <a:buClr>
+                <a:srgbClr val="000000"/>
+              </a:buClr>
+              <a:buSzPts val="1500"/>
+              <a:buFont typeface="Arial"/>
+              <a:buChar char="●"/>
+            </a:pPr>
+            <a:r>
+              <a:rPr b="1" lang="ru" sz="1500">
+                <a:solidFill>
+                  <a:srgbClr val="000000"/>
+                </a:solidFill>
+                <a:latin typeface="Arial"/>
+                <a:ea typeface="Arial"/>
+                <a:cs typeface="Arial"/>
+                <a:sym typeface="Arial"/>
+              </a:rPr>
+              <a:t>Графическая библиотека:</a:t>
+            </a:r>
+            <a:r>
+              <a:rPr lang="ru" sz="1500">
+                <a:solidFill>
+                  <a:srgbClr val="000000"/>
+                </a:solidFill>
+                <a:latin typeface="Arial"/>
+                <a:ea typeface="Arial"/>
+                <a:cs typeface="Arial"/>
+                <a:sym typeface="Arial"/>
+              </a:rPr>
+              <a:t> X11 (X Window System)</a:t>
+            </a:r>
+            <a:endParaRPr sz="1500">
+              <a:solidFill>
+                <a:srgbClr val="000000"/>
+              </a:solidFill>
+              <a:latin typeface="Arial"/>
+              <a:ea typeface="Arial"/>
+              <a:cs typeface="Arial"/>
+              <a:sym typeface="Arial"/>
+            </a:endParaRPr>
+          </a:p>
+          <a:p>
+            <a:pPr indent="-323850" lvl="0" marL="457200" rtl="0" algn="l">
+              <a:spcBef>
+                <a:spcPts val="0"/>
+              </a:spcBef>
+              <a:spcAft>
+                <a:spcPts val="0"/>
+              </a:spcAft>
+              <a:buClr>
+                <a:srgbClr val="000000"/>
+              </a:buClr>
+              <a:buSzPts val="1500"/>
+              <a:buFont typeface="Arial"/>
+              <a:buChar char="●"/>
+            </a:pPr>
+            <a:r>
+              <a:rPr b="1" lang="ru" sz="1500">
+                <a:solidFill>
+                  <a:srgbClr val="000000"/>
+                </a:solidFill>
+                <a:latin typeface="Arial"/>
+                <a:ea typeface="Arial"/>
+                <a:cs typeface="Arial"/>
+                <a:sym typeface="Arial"/>
+              </a:rPr>
+              <a:t>Стандартные C библиотеки:</a:t>
+            </a:r>
+            <a:r>
+              <a:rPr lang="ru" sz="1500">
+                <a:solidFill>
+                  <a:srgbClr val="000000"/>
+                </a:solidFill>
+                <a:latin typeface="Arial"/>
+                <a:ea typeface="Arial"/>
+                <a:cs typeface="Arial"/>
+                <a:sym typeface="Arial"/>
+              </a:rPr>
+              <a:t> POSIX (PTY, процессы, файловые дескрипторы, ioctl), GNU C Lib(аргументы командной строки) </a:t>
+            </a:r>
+            <a:endParaRPr sz="1500">
+              <a:solidFill>
+                <a:srgbClr val="000000"/>
+              </a:solidFill>
+              <a:latin typeface="Arial"/>
+              <a:ea typeface="Arial"/>
+              <a:cs typeface="Arial"/>
+              <a:sym typeface="Arial"/>
+            </a:endParaRPr>
+          </a:p>
+          <a:p>
+            <a:pPr indent="-323850" lvl="0" marL="457200" rtl="0" algn="l">
+              <a:spcBef>
+                <a:spcPts val="0"/>
+              </a:spcBef>
+              <a:spcAft>
+                <a:spcPts val="0"/>
+              </a:spcAft>
+              <a:buClr>
+                <a:srgbClr val="000000"/>
+              </a:buClr>
+              <a:buSzPts val="1500"/>
+              <a:buFont typeface="Arial"/>
+              <a:buChar char="●"/>
+            </a:pPr>
+            <a:r>
+              <a:rPr b="1" lang="ru" sz="1500">
+                <a:solidFill>
+                  <a:srgbClr val="000000"/>
+                </a:solidFill>
+                <a:latin typeface="Arial"/>
+                <a:ea typeface="Arial"/>
+                <a:cs typeface="Arial"/>
+                <a:sym typeface="Arial"/>
+              </a:rPr>
+              <a:t>Элементы C++: </a:t>
+            </a:r>
+            <a:r>
+              <a:rPr lang="ru" sz="1600">
+                <a:solidFill>
+                  <a:schemeClr val="dk1"/>
+                </a:solidFill>
+              </a:rPr>
+              <a:t>стандартные контейнеры C++, умные указатели, наследование и полиморфизм.</a:t>
+            </a:r>
+            <a:endParaRPr sz="1500">
+              <a:solidFill>
+                <a:srgbClr val="000000"/>
+              </a:solidFill>
+              <a:latin typeface="Arial"/>
+              <a:ea typeface="Arial"/>
+              <a:cs typeface="Arial"/>
+              <a:sym typeface="Arial"/>
+            </a:endParaRPr>
+          </a:p>
+          <a:p>
+            <a:pPr indent="-323850" lvl="0" marL="457200" rtl="0" algn="l">
+              <a:spcBef>
+                <a:spcPts val="0"/>
+              </a:spcBef>
+              <a:spcAft>
+                <a:spcPts val="0"/>
+              </a:spcAft>
+              <a:buClr>
+                <a:srgbClr val="000000"/>
+              </a:buClr>
+              <a:buSzPts val="1500"/>
+              <a:buFont typeface="Arial"/>
+              <a:buChar char="●"/>
+            </a:pPr>
+            <a:r>
+              <a:rPr b="1" lang="ru" sz="1500">
+                <a:solidFill>
+                  <a:srgbClr val="000000"/>
+                </a:solidFill>
+                <a:latin typeface="Arial"/>
+                <a:ea typeface="Arial"/>
+                <a:cs typeface="Arial"/>
+                <a:sym typeface="Arial"/>
+              </a:rPr>
+              <a:t>Сборка проекта:</a:t>
+            </a:r>
+            <a:r>
+              <a:rPr lang="ru" sz="1500">
+                <a:solidFill>
+                  <a:srgbClr val="000000"/>
+                </a:solidFill>
+                <a:latin typeface="Arial"/>
+                <a:ea typeface="Arial"/>
+                <a:cs typeface="Arial"/>
+                <a:sym typeface="Arial"/>
+              </a:rPr>
+              <a:t> CMake, Make</a:t>
+            </a:r>
+            <a:endParaRPr sz="1500">
+              <a:solidFill>
+                <a:srgbClr val="000000"/>
+              </a:solidFill>
+              <a:latin typeface="Arial"/>
+              <a:ea typeface="Arial"/>
+              <a:cs typeface="Arial"/>
+              <a:sym typeface="Arial"/>
+            </a:endParaRPr>
+          </a:p>
+          <a:p>
+            <a:pPr indent="-323850" lvl="0" marL="457200" rtl="0" algn="l">
+              <a:spcBef>
+                <a:spcPts val="0"/>
+              </a:spcBef>
+              <a:spcAft>
+                <a:spcPts val="0"/>
+              </a:spcAft>
+              <a:buClr>
+                <a:srgbClr val="000000"/>
+              </a:buClr>
+              <a:buSzPts val="1500"/>
+              <a:buFont typeface="Arial"/>
+              <a:buChar char="●"/>
+            </a:pPr>
+            <a:r>
+              <a:rPr b="1" lang="ru" sz="1500">
+                <a:solidFill>
+                  <a:srgbClr val="000000"/>
+                </a:solidFill>
+                <a:latin typeface="Arial"/>
+                <a:ea typeface="Arial"/>
+                <a:cs typeface="Arial"/>
+                <a:sym typeface="Arial"/>
+              </a:rPr>
+              <a:t>Документация:</a:t>
+            </a:r>
+            <a:r>
+              <a:rPr lang="ru" sz="1500">
+                <a:solidFill>
+                  <a:srgbClr val="000000"/>
+                </a:solidFill>
+                <a:latin typeface="Arial"/>
+                <a:ea typeface="Arial"/>
+                <a:cs typeface="Arial"/>
+                <a:sym typeface="Arial"/>
+              </a:rPr>
+              <a:t> Doxygen</a:t>
+            </a:r>
+            <a:endParaRPr sz="1500">
+              <a:solidFill>
+                <a:srgbClr val="000000"/>
+              </a:solidFill>
+              <a:latin typeface="Arial"/>
+              <a:ea typeface="Arial"/>
+              <a:cs typeface="Arial"/>
+              <a:sym typeface="Arial"/>
+            </a:endParaRPr>
+          </a:p>
+          <a:p>
+            <a:pPr indent="-323850" lvl="0" marL="457200" rtl="0" algn="l">
+              <a:spcBef>
+                <a:spcPts val="0"/>
+              </a:spcBef>
+              <a:spcAft>
+                <a:spcPts val="0"/>
+              </a:spcAft>
+              <a:buClr>
+                <a:srgbClr val="000000"/>
+              </a:buClr>
+              <a:buSzPts val="1500"/>
+              <a:buFont typeface="Arial"/>
+              <a:buChar char="●"/>
+            </a:pPr>
+            <a:r>
+              <a:rPr b="1" lang="ru" sz="1500">
+                <a:solidFill>
+                  <a:srgbClr val="000000"/>
+                </a:solidFill>
+                <a:latin typeface="Arial"/>
+                <a:ea typeface="Arial"/>
+                <a:cs typeface="Arial"/>
+                <a:sym typeface="Arial"/>
+              </a:rPr>
+              <a:t>Система контроля версий:</a:t>
+            </a:r>
+            <a:r>
+              <a:rPr lang="ru" sz="1500">
+                <a:solidFill>
+                  <a:srgbClr val="000000"/>
+                </a:solidFill>
+                <a:latin typeface="Arial"/>
+                <a:ea typeface="Arial"/>
+                <a:cs typeface="Arial"/>
+                <a:sym typeface="Arial"/>
+              </a:rPr>
+              <a:t> Git, Github</a:t>
+            </a:r>
+            <a:endParaRPr sz="1500">
+              <a:solidFill>
+                <a:srgbClr val="000000"/>
+              </a:solidFill>
+              <a:latin typeface="Arial"/>
+              <a:ea typeface="Arial"/>
+              <a:cs typeface="Arial"/>
+              <a:sym typeface="Arial"/>
+            </a:endParaRPr>
+          </a:p>
+          <a:p>
+            <a:pPr indent="-323850" lvl="0" marL="457200" rtl="0" algn="l">
+              <a:spcBef>
+                <a:spcPts val="0"/>
+              </a:spcBef>
+              <a:spcAft>
+                <a:spcPts val="0"/>
+              </a:spcAft>
+              <a:buClr>
+                <a:srgbClr val="000000"/>
+              </a:buClr>
+              <a:buSzPts val="1500"/>
+              <a:buFont typeface="Arial"/>
+              <a:buChar char="●"/>
+            </a:pPr>
+            <a:r>
+              <a:rPr b="1" lang="ru" sz="1500">
+                <a:solidFill>
+                  <a:srgbClr val="000000"/>
+                </a:solidFill>
+                <a:latin typeface="Arial"/>
+                <a:ea typeface="Arial"/>
+                <a:cs typeface="Arial"/>
+                <a:sym typeface="Arial"/>
+              </a:rPr>
+              <a:t>Система развертки приложения:</a:t>
+            </a:r>
+            <a:r>
+              <a:rPr lang="ru" sz="1500">
+                <a:solidFill>
+                  <a:srgbClr val="000000"/>
+                </a:solidFill>
+                <a:latin typeface="Arial"/>
+                <a:ea typeface="Arial"/>
+                <a:cs typeface="Arial"/>
+                <a:sym typeface="Arial"/>
+              </a:rPr>
+              <a:t> Docker</a:t>
+            </a:r>
+            <a:endParaRPr sz="1500">
+              <a:solidFill>
+                <a:srgbClr val="000000"/>
+              </a:solidFill>
+              <a:latin typeface="Arial"/>
+              <a:ea typeface="Arial"/>
+              <a:cs typeface="Arial"/>
+              <a:sym typeface="Arial"/>
+            </a:endParaRPr>
+          </a:p>
+          <a:p>
+            <a:pPr indent="-323850" lvl="0" marL="457200" rtl="0" algn="l">
+              <a:spcBef>
+                <a:spcPts val="0"/>
+              </a:spcBef>
+              <a:spcAft>
+                <a:spcPts val="0"/>
+              </a:spcAft>
+              <a:buClr>
+                <a:srgbClr val="000000"/>
+              </a:buClr>
+              <a:buSzPts val="1500"/>
+              <a:buFont typeface="Arial"/>
+              <a:buChar char="●"/>
+            </a:pPr>
+            <a:r>
+              <a:rPr b="1" lang="ru" sz="1500">
+                <a:solidFill>
+                  <a:srgbClr val="000000"/>
+                </a:solidFill>
+                <a:latin typeface="Arial"/>
+                <a:ea typeface="Arial"/>
+                <a:cs typeface="Arial"/>
+                <a:sym typeface="Arial"/>
+              </a:rPr>
+              <a:t>Описание проекта:</a:t>
+            </a:r>
+            <a:r>
+              <a:rPr lang="ru" sz="1500">
+                <a:solidFill>
+                  <a:srgbClr val="000000"/>
+                </a:solidFill>
+                <a:latin typeface="Arial"/>
+                <a:ea typeface="Arial"/>
+                <a:cs typeface="Arial"/>
+                <a:sym typeface="Arial"/>
+              </a:rPr>
+              <a:t> Man, Markdown, License</a:t>
+            </a:r>
+            <a:endParaRPr sz="1500">
+              <a:solidFill>
+                <a:srgbClr val="000000"/>
+              </a:solidFill>
+              <a:latin typeface="Arial"/>
+              <a:ea typeface="Arial"/>
+              <a:cs typeface="Arial"/>
+              <a:sym typeface="Arial"/>
+            </a:endParaRPr>
+          </a:p>
+          <a:p>
+            <a:pPr indent="-323850" lvl="0" marL="457200" rtl="0" algn="l">
+              <a:spcBef>
+                <a:spcPts val="0"/>
+              </a:spcBef>
+              <a:spcAft>
+                <a:spcPts val="0"/>
+              </a:spcAft>
+              <a:buClr>
+                <a:srgbClr val="000000"/>
+              </a:buClr>
+              <a:buSzPts val="1500"/>
+              <a:buFont typeface="Arial"/>
+              <a:buChar char="●"/>
+            </a:pPr>
+            <a:r>
+              <a:rPr b="1" lang="ru" sz="1500">
+                <a:solidFill>
+                  <a:srgbClr val="000000"/>
+                </a:solidFill>
+                <a:latin typeface="Arial"/>
+                <a:ea typeface="Arial"/>
+                <a:cs typeface="Arial"/>
+                <a:sym typeface="Arial"/>
+              </a:rPr>
+              <a:t>Дополнительные инструменты:</a:t>
+            </a:r>
+            <a:r>
+              <a:rPr lang="ru" sz="1500">
+                <a:solidFill>
+                  <a:srgbClr val="000000"/>
+                </a:solidFill>
+                <a:latin typeface="Arial"/>
+                <a:ea typeface="Arial"/>
+                <a:cs typeface="Arial"/>
+                <a:sym typeface="Arial"/>
+              </a:rPr>
+              <a:t> bear </a:t>
+            </a:r>
+            <a:r>
+              <a:rPr lang="ru" sz="1500">
+                <a:solidFill>
+                  <a:srgbClr val="000000"/>
+                </a:solidFill>
+                <a:latin typeface="Arial"/>
+                <a:ea typeface="Arial"/>
+                <a:cs typeface="Arial"/>
+                <a:sym typeface="Arial"/>
+              </a:rPr>
+              <a:t>(для поддержки LSP и clang-based инструментов)</a:t>
+            </a:r>
+            <a:r>
+              <a:rPr lang="ru" sz="1500">
+                <a:solidFill>
+                  <a:srgbClr val="000000"/>
+                </a:solidFill>
+                <a:latin typeface="Arial"/>
+                <a:ea typeface="Arial"/>
+                <a:cs typeface="Arial"/>
+                <a:sym typeface="Arial"/>
+              </a:rPr>
+              <a:t>, clang-format</a:t>
+            </a:r>
+            <a:endParaRPr sz="1500">
+              <a:solidFill>
+                <a:srgbClr val="000000"/>
+              </a:solidFill>
+              <a:latin typeface="Arial"/>
+              <a:ea typeface="Arial"/>
+              <a:cs typeface="Arial"/>
+              <a:sym typeface="Arial"/>
+            </a:endParaRPr>
+          </a:p>
+        </p:txBody>
+      </p:sp>
+    </p:spTree>
+  </p:cSld>
+  <p:clrMapOvr>
+    <a:masterClrMapping/>
+  </p:clrMapOvr>
+</p:sld>
+</file>
+
+<file path=ppt/slides/slide12.xml><?xml version="1.0" encoding="utf-8"?>
+<p:sld xmlns:a="http://schemas.openxmlformats.org/drawingml/2006/main" xmlns:r="http://schemas.openxmlformats.org/officeDocument/2006/relationships" xmlns:mc="http://schemas.openxmlformats.org/markup-compatibility/2006" xmlns:mv="urn:schemas-microsoft-com:mac:vml" xmlns:p="http://schemas.openxmlformats.org/presentationml/2006/main" xmlns:c="http://schemas.openxmlformats.org/drawingml/2006/chart" xmlns:dgm="http://schemas.openxmlformats.org/drawingml/2006/diagram" xmlns:o="urn:schemas-microsoft-com:office:office" xmlns:v="urn:schemas-microsoft-com:vml" xmlns:pvml="urn:schemas-microsoft-com:office:powerpoint" xmlns:com="http://schemas.openxmlformats.org/drawingml/2006/compatibility" xmlns:p14="http://schemas.microsoft.com/office/powerpoint/2010/main" xmlns:p15="http://schemas.microsoft.com/office/powerpoint/2012/main" xmlns:ahyp="http://schemas.microsoft.com/office/drawing/2018/hyperlinkcolor">
+  <p:cSld>
+    <p:spTree>
+      <p:nvGrpSpPr>
+        <p:cNvPr id="122" name="Shape 122"/>
+        <p:cNvGrpSpPr/>
+        <p:nvPr/>
+      </p:nvGrpSpPr>
+      <p:grpSpPr>
+        <a:xfrm>
+          <a:off x="0" y="0"/>
+          <a:ext cx="0" cy="0"/>
+          <a:chOff x="0" y="0"/>
+          <a:chExt cx="0" cy="0"/>
+        </a:xfrm>
+      </p:grpSpPr>
+      <p:sp>
+        <p:nvSpPr>
+          <p:cNvPr id="123" name="Google Shape;123;p24"/>
+          <p:cNvSpPr txBox="1"/>
+          <p:nvPr>
+            <p:ph type="title"/>
+          </p:nvPr>
+        </p:nvSpPr>
+        <p:spPr>
+          <a:xfrm>
+            <a:off x="311700" y="445025"/>
+            <a:ext cx="8520600" cy="572700"/>
+          </a:xfrm>
+          <a:prstGeom prst="rect">
+            <a:avLst/>
+          </a:prstGeom>
+        </p:spPr>
+        <p:txBody>
+          <a:bodyPr anchorCtr="0" anchor="t" bIns="91425" lIns="91425" spcFirstLastPara="1" rIns="91425" wrap="square" tIns="91425">
+            <a:normAutofit fontScale="90000"/>
+          </a:bodyPr>
+          <a:lstStyle/>
+          <a:p>
+            <a:pPr indent="0" lvl="0" marL="0" rtl="0" algn="l">
+              <a:spcBef>
+                <a:spcPts val="0"/>
+              </a:spcBef>
+              <a:spcAft>
+                <a:spcPts val="0"/>
+              </a:spcAft>
+              <a:buNone/>
+            </a:pPr>
+            <a:r>
+              <a:rPr lang="ru"/>
+              <a:t>✅ Результаты и функциональность</a:t>
+            </a:r>
+            <a:endParaRPr/>
+          </a:p>
+        </p:txBody>
+      </p:sp>
+      <p:sp>
+        <p:nvSpPr>
+          <p:cNvPr id="124" name="Google Shape;124;p24"/>
+          <p:cNvSpPr txBox="1"/>
+          <p:nvPr>
+            <p:ph idx="1" type="body"/>
+          </p:nvPr>
+        </p:nvSpPr>
+        <p:spPr>
+          <a:xfrm>
+            <a:off x="311700" y="1152475"/>
+            <a:ext cx="8520600" cy="3416400"/>
+          </a:xfrm>
+          <a:prstGeom prst="rect">
+            <a:avLst/>
+          </a:prstGeom>
+        </p:spPr>
+        <p:txBody>
+          <a:bodyPr anchorCtr="0" anchor="t" bIns="91425" lIns="91425" spcFirstLastPara="1" rIns="91425" wrap="square" tIns="91425">
+            <a:noAutofit/>
+          </a:bodyPr>
+          <a:lstStyle/>
+          <a:p>
+            <a:pPr indent="-330200" lvl="0" marL="457200" rtl="0" algn="l">
+              <a:lnSpc>
+                <a:spcPct val="105000"/>
+              </a:lnSpc>
+              <a:spcBef>
+                <a:spcPts val="0"/>
+              </a:spcBef>
+              <a:spcAft>
+                <a:spcPts val="0"/>
+              </a:spcAft>
+              <a:buClr>
+                <a:schemeClr val="dk1"/>
+              </a:buClr>
+              <a:buSzPts val="1600"/>
+              <a:buChar char="●"/>
+            </a:pPr>
+            <a:r>
+              <a:rPr lang="ru" sz="1600">
+                <a:solidFill>
+                  <a:schemeClr val="dk1"/>
+                </a:solidFill>
+              </a:rPr>
+              <a:t>Реализован графический терминал с простым пользовательским интерфейсом.</a:t>
+            </a:r>
+            <a:endParaRPr sz="1600">
+              <a:solidFill>
+                <a:schemeClr val="dk1"/>
+              </a:solidFill>
+            </a:endParaRPr>
+          </a:p>
+          <a:p>
+            <a:pPr indent="-330200" lvl="0" marL="457200" rtl="0" algn="l">
+              <a:lnSpc>
+                <a:spcPct val="105000"/>
+              </a:lnSpc>
+              <a:spcBef>
+                <a:spcPts val="0"/>
+              </a:spcBef>
+              <a:spcAft>
+                <a:spcPts val="0"/>
+              </a:spcAft>
+              <a:buClr>
+                <a:schemeClr val="dk1"/>
+              </a:buClr>
+              <a:buSzPts val="1600"/>
+              <a:buChar char="●"/>
+            </a:pPr>
+            <a:r>
+              <a:rPr lang="ru" sz="1600">
+                <a:solidFill>
+                  <a:schemeClr val="dk1"/>
+                </a:solidFill>
+              </a:rPr>
+              <a:t>Разработана минималистичная, но расширяемая командная оболочка.</a:t>
+            </a:r>
+            <a:endParaRPr sz="1600">
+              <a:solidFill>
+                <a:schemeClr val="dk1"/>
+              </a:solidFill>
+            </a:endParaRPr>
+          </a:p>
+          <a:p>
+            <a:pPr indent="-330200" lvl="0" marL="457200" rtl="0" algn="l">
+              <a:lnSpc>
+                <a:spcPct val="105000"/>
+              </a:lnSpc>
+              <a:spcBef>
+                <a:spcPts val="0"/>
+              </a:spcBef>
+              <a:spcAft>
+                <a:spcPts val="0"/>
+              </a:spcAft>
+              <a:buClr>
+                <a:schemeClr val="dk1"/>
+              </a:buClr>
+              <a:buSzPts val="1600"/>
+              <a:buChar char="●"/>
+            </a:pPr>
+            <a:r>
+              <a:rPr lang="ru" sz="1600">
+                <a:solidFill>
+                  <a:schemeClr val="dk1"/>
+                </a:solidFill>
+              </a:rPr>
+              <a:t>Применены системные технологии Linux: PTY, fork, execv.</a:t>
+            </a:r>
+            <a:endParaRPr sz="1600">
+              <a:solidFill>
+                <a:schemeClr val="dk1"/>
+              </a:solidFill>
+            </a:endParaRPr>
+          </a:p>
+          <a:p>
+            <a:pPr indent="-330200" lvl="0" marL="457200" rtl="0" algn="l">
+              <a:lnSpc>
+                <a:spcPct val="105000"/>
+              </a:lnSpc>
+              <a:spcBef>
+                <a:spcPts val="0"/>
+              </a:spcBef>
+              <a:spcAft>
+                <a:spcPts val="0"/>
+              </a:spcAft>
+              <a:buClr>
+                <a:schemeClr val="dk1"/>
+              </a:buClr>
+              <a:buSzPts val="1600"/>
+              <a:buChar char="●"/>
+            </a:pPr>
+            <a:r>
+              <a:rPr lang="ru" sz="1600">
+                <a:solidFill>
+                  <a:schemeClr val="dk1"/>
+                </a:solidFill>
+              </a:rPr>
+              <a:t>Использованы стандартные контейнеры C++, умные указатели, наследование и полиморфизм.</a:t>
+            </a:r>
+            <a:endParaRPr sz="1600">
+              <a:solidFill>
+                <a:schemeClr val="dk1"/>
+              </a:solidFill>
+            </a:endParaRPr>
+          </a:p>
+          <a:p>
+            <a:pPr indent="-330200" lvl="0" marL="457200" rtl="0" algn="l">
+              <a:lnSpc>
+                <a:spcPct val="105000"/>
+              </a:lnSpc>
+              <a:spcBef>
+                <a:spcPts val="0"/>
+              </a:spcBef>
+              <a:spcAft>
+                <a:spcPts val="0"/>
+              </a:spcAft>
+              <a:buClr>
+                <a:schemeClr val="dk1"/>
+              </a:buClr>
+              <a:buSzPts val="1600"/>
+              <a:buChar char="●"/>
+            </a:pPr>
+            <a:r>
+              <a:rPr lang="ru" sz="1600">
+                <a:solidFill>
+                  <a:schemeClr val="dk1"/>
+                </a:solidFill>
+              </a:rPr>
+              <a:t>Проект оформлен с использование современных инструментов разработки: документация, структура, автоматизация сборки и развертки приложения.</a:t>
+            </a:r>
+            <a:endParaRPr sz="1600">
+              <a:solidFill>
+                <a:schemeClr val="dk1"/>
+              </a:solidFill>
+            </a:endParaRPr>
+          </a:p>
+          <a:p>
+            <a:pPr indent="-330200" lvl="0" marL="457200" rtl="0" algn="l">
+              <a:lnSpc>
+                <a:spcPct val="105000"/>
+              </a:lnSpc>
+              <a:spcBef>
+                <a:spcPts val="0"/>
+              </a:spcBef>
+              <a:spcAft>
+                <a:spcPts val="0"/>
+              </a:spcAft>
+              <a:buClr>
+                <a:schemeClr val="dk1"/>
+              </a:buClr>
+              <a:buSzPts val="1600"/>
+              <a:buChar char="●"/>
+            </a:pPr>
+            <a:r>
+              <a:rPr lang="ru" sz="1600">
+                <a:solidFill>
+                  <a:schemeClr val="dk1"/>
+                </a:solidFill>
+              </a:rPr>
+              <a:t>Протестирован запуск внешних программ, взаимодействие с пользовательским вводом и выводом.</a:t>
+            </a:r>
+            <a:endParaRPr sz="1595"/>
+          </a:p>
+        </p:txBody>
+      </p:sp>
+    </p:spTree>
+  </p:cSld>
+  <p:clrMapOvr>
+    <a:masterClrMapping/>
+  </p:clrMapOvr>
+</p:sld>
+</file>
+
+<file path=ppt/slides/slide13.xml><?xml version="1.0" encoding="utf-8"?>
+<p:sld xmlns:a="http://schemas.openxmlformats.org/drawingml/2006/main" xmlns:r="http://schemas.openxmlformats.org/officeDocument/2006/relationships" xmlns:mc="http://schemas.openxmlformats.org/markup-compatibility/2006" xmlns:mv="urn:schemas-microsoft-com:mac:vml" xmlns:p="http://schemas.openxmlformats.org/presentationml/2006/main" xmlns:c="http://schemas.openxmlformats.org/drawingml/2006/chart" xmlns:dgm="http://schemas.openxmlformats.org/drawingml/2006/diagram" xmlns:o="urn:schemas-microsoft-com:office:office" xmlns:v="urn:schemas-microsoft-com:vml" xmlns:pvml="urn:schemas-microsoft-com:office:powerpoint" xmlns:com="http://schemas.openxmlformats.org/drawingml/2006/compatibility" xmlns:p14="http://schemas.microsoft.com/office/powerpoint/2010/main" xmlns:p15="http://schemas.microsoft.com/office/powerpoint/2012/main" xmlns:ahyp="http://schemas.microsoft.com/office/drawing/2018/hyperlinkcolor">
+  <p:cSld>
+    <p:spTree>
+      <p:nvGrpSpPr>
+        <p:cNvPr id="128" name="Shape 128"/>
+        <p:cNvGrpSpPr/>
+        <p:nvPr/>
+      </p:nvGrpSpPr>
+      <p:grpSpPr>
+        <a:xfrm>
+          <a:off x="0" y="0"/>
+          <a:ext cx="0" cy="0"/>
+          <a:chOff x="0" y="0"/>
+          <a:chExt cx="0" cy="0"/>
+        </a:xfrm>
+      </p:grpSpPr>
+      <p:pic>
+        <p:nvPicPr>
+          <p:cNvPr id="129" name="Google Shape;129;p25"/>
+          <p:cNvPicPr preferRelativeResize="0"/>
+          <p:nvPr/>
+        </p:nvPicPr>
+        <p:blipFill>
+          <a:blip r:embed="rId3">
+            <a:alphaModFix/>
+          </a:blip>
+          <a:stretch>
+            <a:fillRect/>
+          </a:stretch>
+        </p:blipFill>
+        <p:spPr>
+          <a:xfrm>
+            <a:off x="1833888" y="338200"/>
+            <a:ext cx="5476225" cy="4467100"/>
+          </a:xfrm>
+          <a:prstGeom prst="rect">
+            <a:avLst/>
+          </a:prstGeom>
+          <a:noFill/>
+          <a:ln>
+            <a:noFill/>
+          </a:ln>
+        </p:spPr>
+      </p:pic>
+    </p:spTree>
+  </p:cSld>
+  <p:clrMapOvr>
+    <a:masterClrMapping/>
+  </p:clrMapOvr>
+</p:sld>
+</file>
+
+<file path=ppt/slides/slide14.xml><?xml version="1.0" encoding="utf-8"?>
+<p:sld xmlns:a="http://schemas.openxmlformats.org/drawingml/2006/main" xmlns:r="http://schemas.openxmlformats.org/officeDocument/2006/relationships" xmlns:mc="http://schemas.openxmlformats.org/markup-compatibility/2006" xmlns:mv="urn:schemas-microsoft-com:mac:vml" xmlns:p="http://schemas.openxmlformats.org/presentationml/2006/main" xmlns:c="http://schemas.openxmlformats.org/drawingml/2006/chart" xmlns:dgm="http://schemas.openxmlformats.org/drawingml/2006/diagram" xmlns:o="urn:schemas-microsoft-com:office:office" xmlns:v="urn:schemas-microsoft-com:vml" xmlns:pvml="urn:schemas-microsoft-com:office:powerpoint" xmlns:com="http://schemas.openxmlformats.org/drawingml/2006/compatibility" xmlns:p14="http://schemas.microsoft.com/office/powerpoint/2010/main" xmlns:p15="http://schemas.microsoft.com/office/powerpoint/2012/main" xmlns:ahyp="http://schemas.microsoft.com/office/drawing/2018/hyperlinkcolor">
+  <p:cSld>
+    <p:spTree>
+      <p:nvGrpSpPr>
+        <p:cNvPr id="133" name="Shape 133"/>
+        <p:cNvGrpSpPr/>
+        <p:nvPr/>
+      </p:nvGrpSpPr>
+      <p:grpSpPr>
+        <a:xfrm>
+          <a:off x="0" y="0"/>
+          <a:ext cx="0" cy="0"/>
+          <a:chOff x="0" y="0"/>
+          <a:chExt cx="0" cy="0"/>
+        </a:xfrm>
+      </p:grpSpPr>
+      <p:sp>
+        <p:nvSpPr>
+          <p:cNvPr id="134" name="Google Shape;134;p26"/>
+          <p:cNvSpPr txBox="1"/>
+          <p:nvPr/>
+        </p:nvSpPr>
+        <p:spPr>
+          <a:xfrm>
+            <a:off x="1480650" y="2154600"/>
+            <a:ext cx="6182700" cy="834300"/>
+          </a:xfrm>
+          <a:prstGeom prst="rect">
+            <a:avLst/>
+          </a:prstGeom>
+          <a:noFill/>
+          <a:ln>
+            <a:noFill/>
+          </a:ln>
+        </p:spPr>
+        <p:txBody>
+          <a:bodyPr anchorCtr="0" anchor="t" bIns="91425" lIns="91425" spcFirstLastPara="1" rIns="91425" wrap="square" tIns="91425">
+            <a:noAutofit/>
+          </a:bodyPr>
+          <a:lstStyle/>
+          <a:p>
+            <a:pPr indent="0" lvl="0" marL="0" rtl="0" algn="ctr">
+              <a:spcBef>
+                <a:spcPts val="0"/>
+              </a:spcBef>
+              <a:spcAft>
+                <a:spcPts val="0"/>
+              </a:spcAft>
+              <a:buNone/>
+            </a:pPr>
+            <a:r>
+              <a:rPr lang="ru" sz="4300">
+                <a:solidFill>
+                  <a:schemeClr val="accent3"/>
+                </a:solidFill>
+                <a:latin typeface="Proxima Nova"/>
+                <a:ea typeface="Proxima Nova"/>
+                <a:cs typeface="Proxima Nova"/>
+                <a:sym typeface="Proxima Nova"/>
+              </a:rPr>
+              <a:t>Спасибо за внимание!</a:t>
+            </a:r>
+            <a:endParaRPr sz="4300">
+              <a:solidFill>
+                <a:schemeClr val="accent3"/>
+              </a:solidFill>
+              <a:latin typeface="Proxima Nova"/>
+              <a:ea typeface="Proxima Nova"/>
+              <a:cs typeface="Proxima Nova"/>
+              <a:sym typeface="Proxima Nova"/>
+            </a:endParaRPr>
           </a:p>
         </p:txBody>
       </p:sp>
@@ -7434,7 +9160,7 @@
             </a:pPr>
             <a:r>
               <a:rPr lang="ru"/>
-              <a:t>🛠️ Используемый стек технологий</a:t>
+              <a:t>🧩 Структура проекта</a:t>
             </a:r>
             <a:endParaRPr/>
           </a:p>
@@ -7450,8 +9176,8 @@
         </p:nvSpPr>
         <p:spPr>
           <a:xfrm>
-            <a:off x="311700" y="1152475"/>
-            <a:ext cx="8520600" cy="3416400"/>
+            <a:off x="311700" y="1017725"/>
+            <a:ext cx="8818500" cy="3677700"/>
           </a:xfrm>
           <a:prstGeom prst="rect">
             <a:avLst/>
@@ -7459,26 +9185,21 @@
         </p:spPr>
         <p:txBody>
           <a:bodyPr anchorCtr="0" anchor="t" bIns="91425" lIns="91425" spcFirstLastPara="1" rIns="91425" wrap="square" tIns="91425">
-            <a:normAutofit lnSpcReduction="10000"/>
+            <a:normAutofit/>
           </a:bodyPr>
           <a:lstStyle/>
           <a:p>
-            <a:pPr indent="-323850" lvl="0" marL="457200" rtl="0" algn="l">
-              <a:spcBef>
-                <a:spcPts val="0"/>
-              </a:spcBef>
-              <a:spcAft>
-                <a:spcPts val="0"/>
-              </a:spcAft>
-              <a:buClr>
-                <a:srgbClr val="000000"/>
-              </a:buClr>
-              <a:buSzPts val="1500"/>
-              <a:buFont typeface="Arial"/>
-              <a:buChar char="●"/>
+            <a:pPr indent="0" lvl="0" marL="0" rtl="0" algn="l">
+              <a:spcBef>
+                <a:spcPts val="1400"/>
+              </a:spcBef>
+              <a:spcAft>
+                <a:spcPts val="0"/>
+              </a:spcAft>
+              <a:buNone/>
             </a:pPr>
             <a:r>
-              <a:rPr b="1" lang="ru" sz="1500">
+              <a:rPr b="1" lang="ru" sz="1600">
                 <a:solidFill>
                   <a:srgbClr val="000000"/>
                 </a:solidFill>
@@ -7487,10 +9208,22 @@
                 <a:cs typeface="Arial"/>
                 <a:sym typeface="Arial"/>
               </a:rPr>
-              <a:t>Язык программирования:</a:t>
+              <a:t>1. </a:t>
             </a:r>
             <a:r>
-              <a:rPr lang="ru" sz="1500">
+              <a:rPr b="1" lang="ru" sz="1600">
+                <a:solidFill>
+                  <a:srgbClr val="188038"/>
+                </a:solidFill>
+                <a:latin typeface="Roboto Mono"/>
+                <a:ea typeface="Roboto Mono"/>
+                <a:cs typeface="Roboto Mono"/>
+                <a:sym typeface="Roboto Mono"/>
+              </a:rPr>
+              <a:t>iksTerm</a:t>
+            </a:r>
+            <a:r>
+              <a:rPr b="1" lang="ru" sz="1600">
                 <a:solidFill>
                   <a:srgbClr val="000000"/>
                 </a:solidFill>
@@ -7499,9 +9232,9 @@
                 <a:cs typeface="Arial"/>
                 <a:sym typeface="Arial"/>
               </a:rPr>
-              <a:t> C++, C</a:t>
+              <a:t> — графический терминал</a:t>
             </a:r>
-            <a:endParaRPr sz="1500">
+            <a:endParaRPr b="1" sz="1600">
               <a:solidFill>
                 <a:srgbClr val="000000"/>
               </a:solidFill>
@@ -7512,9 +9245,9 @@
             </a:endParaRPr>
           </a:p>
           <a:p>
-            <a:pPr indent="-323850" lvl="0" marL="457200" rtl="0" algn="l">
-              <a:spcBef>
-                <a:spcPts val="0"/>
+            <a:pPr indent="-317500" lvl="0" marL="457200" rtl="0" algn="l">
+              <a:spcBef>
+                <a:spcPts val="1200"/>
               </a:spcBef>
               <a:spcAft>
                 <a:spcPts val="0"/>
@@ -7522,12 +9255,12 @@
               <a:buClr>
                 <a:srgbClr val="000000"/>
               </a:buClr>
-              <a:buSzPts val="1500"/>
+              <a:buSzPts val="1400"/>
               <a:buFont typeface="Arial"/>
               <a:buChar char="●"/>
             </a:pPr>
             <a:r>
-              <a:rPr b="1" lang="ru" sz="1500">
+              <a:rPr lang="ru" sz="1400">
                 <a:solidFill>
                   <a:srgbClr val="000000"/>
                 </a:solidFill>
@@ -7536,21 +9269,9 @@
                 <a:cs typeface="Arial"/>
                 <a:sym typeface="Arial"/>
               </a:rPr>
-              <a:t>Графическая библиотека:</a:t>
+              <a:t>Отображает текстовый вывод и обрабатывает пользовательский ввод.</a:t>
             </a:r>
-            <a:r>
-              <a:rPr lang="ru" sz="1500">
-                <a:solidFill>
-                  <a:srgbClr val="000000"/>
-                </a:solidFill>
-                <a:latin typeface="Arial"/>
-                <a:ea typeface="Arial"/>
-                <a:cs typeface="Arial"/>
-                <a:sym typeface="Arial"/>
-              </a:rPr>
-              <a:t> X11 (X Window System)</a:t>
-            </a:r>
-            <a:endParaRPr sz="1500">
+            <a:endParaRPr sz="1400">
               <a:solidFill>
                 <a:srgbClr val="000000"/>
               </a:solidFill>
@@ -7561,7 +9282,7 @@
             </a:endParaRPr>
           </a:p>
           <a:p>
-            <a:pPr indent="-323850" lvl="0" marL="457200" rtl="0" algn="l">
+            <a:pPr indent="-317500" lvl="0" marL="457200" rtl="0" algn="l">
               <a:spcBef>
                 <a:spcPts val="0"/>
               </a:spcBef>
@@ -7571,12 +9292,12 @@
               <a:buClr>
                 <a:srgbClr val="000000"/>
               </a:buClr>
-              <a:buSzPts val="1500"/>
+              <a:buSzPts val="1400"/>
               <a:buFont typeface="Arial"/>
               <a:buChar char="●"/>
             </a:pPr>
             <a:r>
-              <a:rPr b="1" lang="ru" sz="1500">
+              <a:rPr lang="ru" sz="1400">
                 <a:solidFill>
                   <a:srgbClr val="000000"/>
                 </a:solidFill>
@@ -7585,21 +9306,9 @@
                 <a:cs typeface="Arial"/>
                 <a:sym typeface="Arial"/>
               </a:rPr>
-              <a:t>Стандартные C библиотеки:</a:t>
+              <a:t>Запускает дочерний процесс с оболочкой.</a:t>
             </a:r>
-            <a:r>
-              <a:rPr lang="ru" sz="1500">
-                <a:solidFill>
-                  <a:srgbClr val="000000"/>
-                </a:solidFill>
-                <a:latin typeface="Arial"/>
-                <a:ea typeface="Arial"/>
-                <a:cs typeface="Arial"/>
-                <a:sym typeface="Arial"/>
-              </a:rPr>
-              <a:t> POSIX (PTY, процессы, файловые дескрипторы, ioctl), GNU C Lib(аргументы командной строки) </a:t>
-            </a:r>
-            <a:endParaRPr sz="1500">
+            <a:endParaRPr sz="1400">
               <a:solidFill>
                 <a:srgbClr val="000000"/>
               </a:solidFill>
@@ -7610,7 +9319,7 @@
             </a:endParaRPr>
           </a:p>
           <a:p>
-            <a:pPr indent="-323850" lvl="0" marL="457200" rtl="0" algn="l">
+            <a:pPr indent="-317500" lvl="0" marL="457200" rtl="0" algn="l">
               <a:spcBef>
                 <a:spcPts val="0"/>
               </a:spcBef>
@@ -7620,12 +9329,12 @@
               <a:buClr>
                 <a:srgbClr val="000000"/>
               </a:buClr>
-              <a:buSzPts val="1500"/>
+              <a:buSzPts val="1400"/>
               <a:buFont typeface="Arial"/>
               <a:buChar char="●"/>
             </a:pPr>
             <a:r>
-              <a:rPr b="1" lang="ru" sz="1500">
+              <a:rPr lang="ru" sz="1400">
                 <a:solidFill>
                   <a:srgbClr val="000000"/>
                 </a:solidFill>
@@ -7634,17 +9343,9 @@
                 <a:cs typeface="Arial"/>
                 <a:sym typeface="Arial"/>
               </a:rPr>
-              <a:t>Элементы C++: </a:t>
+              <a:t>Обеспечивает взаимодействие с оболочкой через PTY.</a:t>
             </a:r>
-            <a:r>
-              <a:rPr lang="ru" sz="1600">
-                <a:solidFill>
-                  <a:schemeClr val="dk1"/>
-                </a:solidFill>
-              </a:rPr>
-              <a:t>стандартные контейнеры C++, умные указатели, наследование и полиморфизм.</a:t>
-            </a:r>
-            <a:endParaRPr sz="1500">
+            <a:endParaRPr sz="1400">
               <a:solidFill>
                 <a:srgbClr val="000000"/>
               </a:solidFill>
@@ -7655,7 +9356,7 @@
             </a:endParaRPr>
           </a:p>
           <a:p>
-            <a:pPr indent="-323850" lvl="0" marL="457200" rtl="0" algn="l">
+            <a:pPr indent="-317500" lvl="0" marL="457200" rtl="0" algn="l">
               <a:spcBef>
                 <a:spcPts val="0"/>
               </a:spcBef>
@@ -7665,12 +9366,12 @@
               <a:buClr>
                 <a:srgbClr val="000000"/>
               </a:buClr>
-              <a:buSzPts val="1500"/>
+              <a:buSzPts val="1400"/>
               <a:buFont typeface="Arial"/>
               <a:buChar char="●"/>
             </a:pPr>
             <a:r>
-              <a:rPr b="1" lang="ru" sz="1500">
+              <a:rPr lang="ru" sz="1400">
                 <a:solidFill>
                   <a:srgbClr val="000000"/>
                 </a:solidFill>
@@ -7679,21 +9380,9 @@
                 <a:cs typeface="Arial"/>
                 <a:sym typeface="Arial"/>
               </a:rPr>
-              <a:t>Сборка проекта:</a:t>
+              <a:t>Написан на C с использованием X11 и низкоуровневых системных вызовов.</a:t>
             </a:r>
-            <a:r>
-              <a:rPr lang="ru" sz="1500">
-                <a:solidFill>
-                  <a:srgbClr val="000000"/>
-                </a:solidFill>
-                <a:latin typeface="Arial"/>
-                <a:ea typeface="Arial"/>
-                <a:cs typeface="Arial"/>
-                <a:sym typeface="Arial"/>
-              </a:rPr>
-              <a:t> CMake, Make</a:t>
-            </a:r>
-            <a:endParaRPr sz="1500">
+            <a:endParaRPr sz="1400">
               <a:solidFill>
                 <a:srgbClr val="000000"/>
               </a:solidFill>
@@ -7704,7 +9393,7 @@
             </a:endParaRPr>
           </a:p>
           <a:p>
-            <a:pPr indent="-323850" lvl="0" marL="457200" rtl="0" algn="l">
+            <a:pPr indent="-317500" lvl="0" marL="457200" rtl="0" algn="l">
               <a:spcBef>
                 <a:spcPts val="0"/>
               </a:spcBef>
@@ -7714,12 +9403,12 @@
               <a:buClr>
                 <a:srgbClr val="000000"/>
               </a:buClr>
-              <a:buSzPts val="1500"/>
+              <a:buSzPts val="1400"/>
               <a:buFont typeface="Arial"/>
               <a:buChar char="●"/>
             </a:pPr>
             <a:r>
-              <a:rPr b="1" lang="ru" sz="1500">
+              <a:rPr lang="ru" sz="1400">
                 <a:solidFill>
                   <a:srgbClr val="000000"/>
                 </a:solidFill>
@@ -7728,21 +9417,9 @@
                 <a:cs typeface="Arial"/>
                 <a:sym typeface="Arial"/>
               </a:rPr>
-              <a:t>Документация:</a:t>
+              <a:t>Имеет удобный пользовательский интерфейс, поддерживает различные опции по кастомизации.</a:t>
             </a:r>
-            <a:r>
-              <a:rPr lang="ru" sz="1500">
-                <a:solidFill>
-                  <a:srgbClr val="000000"/>
-                </a:solidFill>
-                <a:latin typeface="Arial"/>
-                <a:ea typeface="Arial"/>
-                <a:cs typeface="Arial"/>
-                <a:sym typeface="Arial"/>
-              </a:rPr>
-              <a:t> Doxygen</a:t>
-            </a:r>
-            <a:endParaRPr sz="1500">
+            <a:endParaRPr sz="1400">
               <a:solidFill>
                 <a:srgbClr val="000000"/>
               </a:solidFill>
@@ -7753,22 +9430,17 @@
             </a:endParaRPr>
           </a:p>
           <a:p>
-            <a:pPr indent="-323850" lvl="0" marL="457200" rtl="0" algn="l">
-              <a:spcBef>
-                <a:spcPts val="0"/>
-              </a:spcBef>
-              <a:spcAft>
-                <a:spcPts val="0"/>
-              </a:spcAft>
-              <a:buClr>
-                <a:srgbClr val="000000"/>
-              </a:buClr>
-              <a:buSzPts val="1500"/>
-              <a:buFont typeface="Arial"/>
-              <a:buChar char="●"/>
+            <a:pPr indent="0" lvl="0" marL="0" rtl="0" algn="l">
+              <a:spcBef>
+                <a:spcPts val="1400"/>
+              </a:spcBef>
+              <a:spcAft>
+                <a:spcPts val="0"/>
+              </a:spcAft>
+              <a:buNone/>
             </a:pPr>
             <a:r>
-              <a:rPr b="1" lang="ru" sz="1500">
+              <a:rPr b="1" lang="ru" sz="1600">
                 <a:solidFill>
                   <a:srgbClr val="000000"/>
                 </a:solidFill>
@@ -7777,10 +9449,34 @@
                 <a:cs typeface="Arial"/>
                 <a:sym typeface="Arial"/>
               </a:rPr>
-              <a:t>Система контроля версий:</a:t>
+              <a:t>2. </a:t>
             </a:r>
             <a:r>
-              <a:rPr lang="ru" sz="1500">
+              <a:rPr b="1" lang="ru" sz="1600">
+                <a:solidFill>
+                  <a:srgbClr val="188038"/>
+                </a:solidFill>
+                <a:latin typeface="Roboto Mono"/>
+                <a:ea typeface="Roboto Mono"/>
+                <a:cs typeface="Roboto Mono"/>
+                <a:sym typeface="Roboto Mono"/>
+              </a:rPr>
+              <a:t>paraShell </a:t>
+            </a:r>
+            <a:r>
+              <a:rPr b="1" lang="ru" sz="1600">
+                <a:solidFill>
+                  <a:schemeClr val="dk1"/>
+                </a:solidFill>
+                <a:latin typeface="Roboto Mono"/>
+                <a:ea typeface="Roboto Mono"/>
+                <a:cs typeface="Roboto Mono"/>
+                <a:sym typeface="Roboto Mono"/>
+              </a:rPr>
+              <a:t>-</a:t>
+            </a:r>
+            <a:r>
+              <a:rPr b="1" lang="ru" sz="1600">
                 <a:solidFill>
                   <a:srgbClr val="000000"/>
                 </a:solidFill>
@@ -7789,9 +9485,9 @@
                 <a:cs typeface="Arial"/>
                 <a:sym typeface="Arial"/>
               </a:rPr>
-              <a:t> Git, Github</a:t>
+              <a:t> оболочка</a:t>
             </a:r>
-            <a:endParaRPr sz="1500">
+            <a:endParaRPr b="1" sz="1600">
               <a:solidFill>
                 <a:srgbClr val="000000"/>
               </a:solidFill>
@@ -7802,9 +9498,9 @@
             </a:endParaRPr>
           </a:p>
           <a:p>
-            <a:pPr indent="-323850" lvl="0" marL="457200" rtl="0" algn="l">
-              <a:spcBef>
-                <a:spcPts val="0"/>
+            <a:pPr indent="-311150" lvl="0" marL="457200" rtl="0" algn="l">
+              <a:spcBef>
+                <a:spcPts val="1200"/>
               </a:spcBef>
               <a:spcAft>
                 <a:spcPts val="0"/>
@@ -7812,12 +9508,12 @@
               <a:buClr>
                 <a:srgbClr val="000000"/>
               </a:buClr>
-              <a:buSzPts val="1500"/>
+              <a:buSzPts val="1300"/>
               <a:buFont typeface="Arial"/>
               <a:buChar char="●"/>
             </a:pPr>
             <a:r>
-              <a:rPr b="1" lang="ru" sz="1500">
+              <a:rPr lang="ru" sz="1300">
                 <a:solidFill>
                   <a:srgbClr val="000000"/>
                 </a:solidFill>
@@ -7826,21 +9522,9 @@
                 <a:cs typeface="Arial"/>
                 <a:sym typeface="Arial"/>
               </a:rPr>
-              <a:t>Система развертки приложения:</a:t>
+              <a:t>Реализует ввод, разбор и выполнение команд (в отдельных процессах, созданных с помощью системного вызова fork()).</a:t>
             </a:r>
-            <a:r>
-              <a:rPr lang="ru" sz="1500">
-                <a:solidFill>
-                  <a:srgbClr val="000000"/>
-                </a:solidFill>
-                <a:latin typeface="Arial"/>
-                <a:ea typeface="Arial"/>
-                <a:cs typeface="Arial"/>
-                <a:sym typeface="Arial"/>
-              </a:rPr>
-              <a:t> Docker</a:t>
-            </a:r>
-            <a:endParaRPr sz="1500">
+            <a:endParaRPr sz="1300">
               <a:solidFill>
                 <a:srgbClr val="000000"/>
               </a:solidFill>
@@ -7851,7 +9535,7 @@
             </a:endParaRPr>
           </a:p>
           <a:p>
-            <a:pPr indent="-323850" lvl="0" marL="457200" rtl="0" algn="l">
+            <a:pPr indent="-311150" lvl="0" marL="457200" rtl="0" algn="l">
               <a:spcBef>
                 <a:spcPts val="0"/>
               </a:spcBef>
@@ -7861,12 +9545,12 @@
               <a:buClr>
                 <a:srgbClr val="000000"/>
               </a:buClr>
-              <a:buSzPts val="1500"/>
+              <a:buSzPts val="1300"/>
               <a:buFont typeface="Arial"/>
               <a:buChar char="●"/>
             </a:pPr>
             <a:r>
-              <a:rPr b="1" lang="ru" sz="1500">
+              <a:rPr lang="ru" sz="1300">
                 <a:solidFill>
                   <a:srgbClr val="000000"/>
                 </a:solidFill>
@@ -7875,21 +9559,9 @@
                 <a:cs typeface="Arial"/>
                 <a:sym typeface="Arial"/>
               </a:rPr>
-              <a:t>Описание проекта:</a:t>
+              <a:t>Реализовано межпроцессное взаимодействие посредством файловых дескрипторов и механизма pipe.</a:t>
             </a:r>
-            <a:r>
-              <a:rPr lang="ru" sz="1500">
-                <a:solidFill>
-                  <a:srgbClr val="000000"/>
-                </a:solidFill>
-                <a:latin typeface="Arial"/>
-                <a:ea typeface="Arial"/>
-                <a:cs typeface="Arial"/>
-                <a:sym typeface="Arial"/>
-              </a:rPr>
-              <a:t> Man, Markdown, License</a:t>
-            </a:r>
-            <a:endParaRPr sz="1500">
+            <a:endParaRPr sz="1300">
               <a:solidFill>
                 <a:srgbClr val="000000"/>
               </a:solidFill>
@@ -7900,7 +9572,7 @@
             </a:endParaRPr>
           </a:p>
           <a:p>
-            <a:pPr indent="-323850" lvl="0" marL="457200" rtl="0" algn="l">
+            <a:pPr indent="-311150" lvl="0" marL="457200" rtl="0" algn="l">
               <a:spcBef>
                 <a:spcPts val="0"/>
               </a:spcBef>
@@ -7910,12 +9582,12 @@
               <a:buClr>
                 <a:srgbClr val="000000"/>
               </a:buClr>
-              <a:buSzPts val="1500"/>
+              <a:buSzPts val="1300"/>
               <a:buFont typeface="Arial"/>
               <a:buChar char="●"/>
             </a:pPr>
             <a:r>
-              <a:rPr b="1" lang="ru" sz="1500">
+              <a:rPr lang="ru" sz="1300">
                 <a:solidFill>
                   <a:srgbClr val="000000"/>
                 </a:solidFill>
@@ -7924,10 +9596,10 @@
                 <a:cs typeface="Arial"/>
                 <a:sym typeface="Arial"/>
               </a:rPr>
-              <a:t>Дополнительные инструменты:</a:t>
+              <a:t>Имеет встроенные команды(такие как </a:t>
             </a:r>
             <a:r>
-              <a:rPr lang="ru" sz="1500">
+              <a:rPr i="1" lang="ru" sz="1300">
                 <a:solidFill>
                   <a:srgbClr val="000000"/>
                 </a:solidFill>
@@ -7936,10 +9608,10 @@
                 <a:cs typeface="Arial"/>
                 <a:sym typeface="Arial"/>
               </a:rPr>
-              <a:t> bear </a:t>
+              <a:t>cd, exit</a:t>
             </a:r>
             <a:r>
-              <a:rPr lang="ru" sz="1500">
+              <a:rPr lang="ru" sz="1300">
                 <a:solidFill>
                   <a:srgbClr val="000000"/>
                 </a:solidFill>
@@ -7948,29 +9620,9 @@
                 <a:cs typeface="Arial"/>
                 <a:sym typeface="Arial"/>
               </a:rPr>
-              <a:t>(для поддержки LSP и clang-based инструментов)</a:t>
+              <a:t>), может быть расширена для поддержки новых функций и команд.</a:t>
             </a:r>
-            <a:r>
-              <a:rPr lang="ru" sz="1500">
-                <a:solidFill>
-                  <a:srgbClr val="000000"/>
-                </a:solidFill>
-                <a:latin typeface="Arial"/>
-                <a:ea typeface="Arial"/>
-                <a:cs typeface="Arial"/>
-                <a:sym typeface="Arial"/>
-              </a:rPr>
-              <a:t>, clang-format</a:t>
-            </a:r>
-            <a:endParaRPr sz="1500">
-              <a:solidFill>
-                <a:srgbClr val="000000"/>
-              </a:solidFill>
-              <a:latin typeface="Arial"/>
-              <a:ea typeface="Arial"/>
-              <a:cs typeface="Arial"/>
-              <a:sym typeface="Arial"/>
-            </a:endParaRPr>
+            <a:endParaRPr sz="2000"/>
           </a:p>
         </p:txBody>
       </p:sp>
@@ -8009,531 +9661,6 @@
         </p:nvSpPr>
         <p:spPr>
           <a:xfrm>
-            <a:off x="311700" y="445025"/>
-            <a:ext cx="8520600" cy="572700"/>
-          </a:xfrm>
-          <a:prstGeom prst="rect">
-            <a:avLst/>
-          </a:prstGeom>
-        </p:spPr>
-        <p:txBody>
-          <a:bodyPr anchorCtr="0" anchor="t" bIns="91425" lIns="91425" spcFirstLastPara="1" rIns="91425" wrap="square" tIns="91425">
-            <a:normAutofit fontScale="90000"/>
-          </a:bodyPr>
-          <a:lstStyle/>
-          <a:p>
-            <a:pPr indent="0" lvl="0" marL="0" rtl="0" algn="l">
-              <a:spcBef>
-                <a:spcPts val="0"/>
-              </a:spcBef>
-              <a:spcAft>
-                <a:spcPts val="0"/>
-              </a:spcAft>
-              <a:buNone/>
-            </a:pPr>
-            <a:r>
-              <a:rPr lang="ru"/>
-              <a:t>🧩 Структура проекта</a:t>
-            </a:r>
-            <a:endParaRPr/>
-          </a:p>
-        </p:txBody>
-      </p:sp>
-      <p:sp>
-        <p:nvSpPr>
-          <p:cNvPr id="78" name="Google Shape;78;p16"/>
-          <p:cNvSpPr txBox="1"/>
-          <p:nvPr>
-            <p:ph idx="1" type="body"/>
-          </p:nvPr>
-        </p:nvSpPr>
-        <p:spPr>
-          <a:xfrm>
-            <a:off x="311700" y="1017725"/>
-            <a:ext cx="8818500" cy="3677700"/>
-          </a:xfrm>
-          <a:prstGeom prst="rect">
-            <a:avLst/>
-          </a:prstGeom>
-        </p:spPr>
-        <p:txBody>
-          <a:bodyPr anchorCtr="0" anchor="t" bIns="91425" lIns="91425" spcFirstLastPara="1" rIns="91425" wrap="square" tIns="91425">
-            <a:normAutofit/>
-          </a:bodyPr>
-          <a:lstStyle/>
-          <a:p>
-            <a:pPr indent="0" lvl="0" marL="0" rtl="0" algn="l">
-              <a:spcBef>
-                <a:spcPts val="1400"/>
-              </a:spcBef>
-              <a:spcAft>
-                <a:spcPts val="0"/>
-              </a:spcAft>
-              <a:buNone/>
-            </a:pPr>
-            <a:r>
-              <a:rPr b="1" lang="ru" sz="1600">
-                <a:solidFill>
-                  <a:srgbClr val="000000"/>
-                </a:solidFill>
-                <a:latin typeface="Arial"/>
-                <a:ea typeface="Arial"/>
-                <a:cs typeface="Arial"/>
-                <a:sym typeface="Arial"/>
-              </a:rPr>
-              <a:t>1. </a:t>
-            </a:r>
-            <a:r>
-              <a:rPr b="1" lang="ru" sz="1600">
-                <a:solidFill>
-                  <a:srgbClr val="188038"/>
-                </a:solidFill>
-                <a:latin typeface="Roboto Mono"/>
-                <a:ea typeface="Roboto Mono"/>
-                <a:cs typeface="Roboto Mono"/>
-                <a:sym typeface="Roboto Mono"/>
-              </a:rPr>
-              <a:t>iksTerm</a:t>
-            </a:r>
-            <a:r>
-              <a:rPr b="1" lang="ru" sz="1600">
-                <a:solidFill>
-                  <a:srgbClr val="000000"/>
-                </a:solidFill>
-                <a:latin typeface="Arial"/>
-                <a:ea typeface="Arial"/>
-                <a:cs typeface="Arial"/>
-                <a:sym typeface="Arial"/>
-              </a:rPr>
-              <a:t> — графический терминал</a:t>
-            </a:r>
-            <a:endParaRPr b="1" sz="1600">
-              <a:solidFill>
-                <a:srgbClr val="000000"/>
-              </a:solidFill>
-              <a:latin typeface="Arial"/>
-              <a:ea typeface="Arial"/>
-              <a:cs typeface="Arial"/>
-              <a:sym typeface="Arial"/>
-            </a:endParaRPr>
-          </a:p>
-          <a:p>
-            <a:pPr indent="-317500" lvl="0" marL="457200" rtl="0" algn="l">
-              <a:spcBef>
-                <a:spcPts val="1200"/>
-              </a:spcBef>
-              <a:spcAft>
-                <a:spcPts val="0"/>
-              </a:spcAft>
-              <a:buClr>
-                <a:srgbClr val="000000"/>
-              </a:buClr>
-              <a:buSzPts val="1400"/>
-              <a:buFont typeface="Arial"/>
-              <a:buChar char="●"/>
-            </a:pPr>
-            <a:r>
-              <a:rPr lang="ru" sz="1400">
-                <a:solidFill>
-                  <a:srgbClr val="000000"/>
-                </a:solidFill>
-                <a:latin typeface="Arial"/>
-                <a:ea typeface="Arial"/>
-                <a:cs typeface="Arial"/>
-                <a:sym typeface="Arial"/>
-              </a:rPr>
-              <a:t>Отображает текстовый вывод и обрабатывает пользовательский ввод.</a:t>
-            </a:r>
-            <a:endParaRPr sz="1400">
-              <a:solidFill>
-                <a:srgbClr val="000000"/>
-              </a:solidFill>
-              <a:latin typeface="Arial"/>
-              <a:ea typeface="Arial"/>
-              <a:cs typeface="Arial"/>
-              <a:sym typeface="Arial"/>
-            </a:endParaRPr>
-          </a:p>
-          <a:p>
-            <a:pPr indent="-317500" lvl="0" marL="457200" rtl="0" algn="l">
-              <a:spcBef>
-                <a:spcPts val="0"/>
-              </a:spcBef>
-              <a:spcAft>
-                <a:spcPts val="0"/>
-              </a:spcAft>
-              <a:buClr>
-                <a:srgbClr val="000000"/>
-              </a:buClr>
-              <a:buSzPts val="1400"/>
-              <a:buFont typeface="Arial"/>
-              <a:buChar char="●"/>
-            </a:pPr>
-            <a:r>
-              <a:rPr lang="ru" sz="1400">
-                <a:solidFill>
-                  <a:srgbClr val="000000"/>
-                </a:solidFill>
-                <a:latin typeface="Arial"/>
-                <a:ea typeface="Arial"/>
-                <a:cs typeface="Arial"/>
-                <a:sym typeface="Arial"/>
-              </a:rPr>
-              <a:t>Запускает дочерний процесс с оболочкой.</a:t>
-            </a:r>
-            <a:endParaRPr sz="1400">
-              <a:solidFill>
-                <a:srgbClr val="000000"/>
-              </a:solidFill>
-              <a:latin typeface="Arial"/>
-              <a:ea typeface="Arial"/>
-              <a:cs typeface="Arial"/>
-              <a:sym typeface="Arial"/>
-            </a:endParaRPr>
-          </a:p>
-          <a:p>
-            <a:pPr indent="-317500" lvl="0" marL="457200" rtl="0" algn="l">
-              <a:spcBef>
-                <a:spcPts val="0"/>
-              </a:spcBef>
-              <a:spcAft>
-                <a:spcPts val="0"/>
-              </a:spcAft>
-              <a:buClr>
-                <a:srgbClr val="000000"/>
-              </a:buClr>
-              <a:buSzPts val="1400"/>
-              <a:buFont typeface="Arial"/>
-              <a:buChar char="●"/>
-            </a:pPr>
-            <a:r>
-              <a:rPr lang="ru" sz="1400">
-                <a:solidFill>
-                  <a:srgbClr val="000000"/>
-                </a:solidFill>
-                <a:latin typeface="Arial"/>
-                <a:ea typeface="Arial"/>
-                <a:cs typeface="Arial"/>
-                <a:sym typeface="Arial"/>
-              </a:rPr>
-              <a:t>Обеспечивает взаимодействие с оболочкой через PTY.</a:t>
-            </a:r>
-            <a:endParaRPr sz="1400">
-              <a:solidFill>
-                <a:srgbClr val="000000"/>
-              </a:solidFill>
-              <a:latin typeface="Arial"/>
-              <a:ea typeface="Arial"/>
-              <a:cs typeface="Arial"/>
-              <a:sym typeface="Arial"/>
-            </a:endParaRPr>
-          </a:p>
-          <a:p>
-            <a:pPr indent="-317500" lvl="0" marL="457200" rtl="0" algn="l">
-              <a:spcBef>
-                <a:spcPts val="0"/>
-              </a:spcBef>
-              <a:spcAft>
-                <a:spcPts val="0"/>
-              </a:spcAft>
-              <a:buClr>
-                <a:srgbClr val="000000"/>
-              </a:buClr>
-              <a:buSzPts val="1400"/>
-              <a:buFont typeface="Arial"/>
-              <a:buChar char="●"/>
-            </a:pPr>
-            <a:r>
-              <a:rPr lang="ru" sz="1400">
-                <a:solidFill>
-                  <a:srgbClr val="000000"/>
-                </a:solidFill>
-                <a:latin typeface="Arial"/>
-                <a:ea typeface="Arial"/>
-                <a:cs typeface="Arial"/>
-                <a:sym typeface="Arial"/>
-              </a:rPr>
-              <a:t>Написан на C с использованием X11 и низкоуровневых системных вызовов.</a:t>
-            </a:r>
-            <a:endParaRPr sz="1400">
-              <a:solidFill>
-                <a:srgbClr val="000000"/>
-              </a:solidFill>
-              <a:latin typeface="Arial"/>
-              <a:ea typeface="Arial"/>
-              <a:cs typeface="Arial"/>
-              <a:sym typeface="Arial"/>
-            </a:endParaRPr>
-          </a:p>
-          <a:p>
-            <a:pPr indent="-317500" lvl="0" marL="457200" rtl="0" algn="l">
-              <a:spcBef>
-                <a:spcPts val="0"/>
-              </a:spcBef>
-              <a:spcAft>
-                <a:spcPts val="0"/>
-              </a:spcAft>
-              <a:buClr>
-                <a:srgbClr val="000000"/>
-              </a:buClr>
-              <a:buSzPts val="1400"/>
-              <a:buFont typeface="Arial"/>
-              <a:buChar char="●"/>
-            </a:pPr>
-            <a:r>
-              <a:rPr lang="ru" sz="1400">
-                <a:solidFill>
-                  <a:srgbClr val="000000"/>
-                </a:solidFill>
-                <a:latin typeface="Arial"/>
-                <a:ea typeface="Arial"/>
-                <a:cs typeface="Arial"/>
-                <a:sym typeface="Arial"/>
-              </a:rPr>
-              <a:t>Имеет удобный пользовательский интерфейс, поддерживает различные опции по кастомизации.</a:t>
-            </a:r>
-            <a:endParaRPr sz="1400">
-              <a:solidFill>
-                <a:srgbClr val="000000"/>
-              </a:solidFill>
-              <a:latin typeface="Arial"/>
-              <a:ea typeface="Arial"/>
-              <a:cs typeface="Arial"/>
-              <a:sym typeface="Arial"/>
-            </a:endParaRPr>
-          </a:p>
-          <a:p>
-            <a:pPr indent="0" lvl="0" marL="0" rtl="0" algn="l">
-              <a:spcBef>
-                <a:spcPts val="1400"/>
-              </a:spcBef>
-              <a:spcAft>
-                <a:spcPts val="0"/>
-              </a:spcAft>
-              <a:buNone/>
-            </a:pPr>
-            <a:r>
-              <a:rPr b="1" lang="ru" sz="1600">
-                <a:solidFill>
-                  <a:srgbClr val="000000"/>
-                </a:solidFill>
-                <a:latin typeface="Arial"/>
-                <a:ea typeface="Arial"/>
-                <a:cs typeface="Arial"/>
-                <a:sym typeface="Arial"/>
-              </a:rPr>
-              <a:t>2. </a:t>
-            </a:r>
-            <a:r>
-              <a:rPr b="1" lang="ru" sz="1600">
-                <a:solidFill>
-                  <a:srgbClr val="188038"/>
-                </a:solidFill>
-                <a:latin typeface="Roboto Mono"/>
-                <a:ea typeface="Roboto Mono"/>
-                <a:cs typeface="Roboto Mono"/>
-                <a:sym typeface="Roboto Mono"/>
-              </a:rPr>
-              <a:t>paraShell </a:t>
-            </a:r>
-            <a:r>
-              <a:rPr b="1" lang="ru" sz="1600">
-                <a:solidFill>
-                  <a:schemeClr val="dk1"/>
-                </a:solidFill>
-                <a:latin typeface="Roboto Mono"/>
-                <a:ea typeface="Roboto Mono"/>
-                <a:cs typeface="Roboto Mono"/>
-                <a:sym typeface="Roboto Mono"/>
-              </a:rPr>
-              <a:t>-</a:t>
-            </a:r>
-            <a:r>
-              <a:rPr b="1" lang="ru" sz="1600">
-                <a:solidFill>
-                  <a:srgbClr val="000000"/>
-                </a:solidFill>
-                <a:latin typeface="Arial"/>
-                <a:ea typeface="Arial"/>
-                <a:cs typeface="Arial"/>
-                <a:sym typeface="Arial"/>
-              </a:rPr>
-              <a:t> оболочка</a:t>
-            </a:r>
-            <a:endParaRPr b="1" sz="1600">
-              <a:solidFill>
-                <a:srgbClr val="000000"/>
-              </a:solidFill>
-              <a:latin typeface="Arial"/>
-              <a:ea typeface="Arial"/>
-              <a:cs typeface="Arial"/>
-              <a:sym typeface="Arial"/>
-            </a:endParaRPr>
-          </a:p>
-          <a:p>
-            <a:pPr indent="-311150" lvl="0" marL="457200" rtl="0" algn="l">
-              <a:spcBef>
-                <a:spcPts val="1200"/>
-              </a:spcBef>
-              <a:spcAft>
-                <a:spcPts val="0"/>
-              </a:spcAft>
-              <a:buClr>
-                <a:srgbClr val="000000"/>
-              </a:buClr>
-              <a:buSzPts val="1300"/>
-              <a:buFont typeface="Arial"/>
-              <a:buChar char="●"/>
-            </a:pPr>
-            <a:r>
-              <a:rPr lang="ru" sz="1300">
-                <a:solidFill>
-                  <a:srgbClr val="000000"/>
-                </a:solidFill>
-                <a:latin typeface="Arial"/>
-                <a:ea typeface="Arial"/>
-                <a:cs typeface="Arial"/>
-                <a:sym typeface="Arial"/>
-              </a:rPr>
-              <a:t>Реализует ввод, разбор и выполнение команд (в отдельных процессах, созданных с помощью системного вызова fork()).</a:t>
-            </a:r>
-            <a:endParaRPr sz="1300">
-              <a:solidFill>
-                <a:srgbClr val="000000"/>
-              </a:solidFill>
-              <a:latin typeface="Arial"/>
-              <a:ea typeface="Arial"/>
-              <a:cs typeface="Arial"/>
-              <a:sym typeface="Arial"/>
-            </a:endParaRPr>
-          </a:p>
-          <a:p>
-            <a:pPr indent="-311150" lvl="0" marL="457200" rtl="0" algn="l">
-              <a:spcBef>
-                <a:spcPts val="0"/>
-              </a:spcBef>
-              <a:spcAft>
-                <a:spcPts val="0"/>
-              </a:spcAft>
-              <a:buClr>
-                <a:srgbClr val="000000"/>
-              </a:buClr>
-              <a:buSzPts val="1300"/>
-              <a:buFont typeface="Arial"/>
-              <a:buChar char="●"/>
-            </a:pPr>
-            <a:r>
-              <a:rPr lang="ru" sz="1300">
-                <a:solidFill>
-                  <a:srgbClr val="000000"/>
-                </a:solidFill>
-                <a:latin typeface="Arial"/>
-                <a:ea typeface="Arial"/>
-                <a:cs typeface="Arial"/>
-                <a:sym typeface="Arial"/>
-              </a:rPr>
-              <a:t>Реализовано межпроцессное взаимодействие посредством файловых дескрипторов и механизма pipe.</a:t>
-            </a:r>
-            <a:endParaRPr sz="1300">
-              <a:solidFill>
-                <a:srgbClr val="000000"/>
-              </a:solidFill>
-              <a:latin typeface="Arial"/>
-              <a:ea typeface="Arial"/>
-              <a:cs typeface="Arial"/>
-              <a:sym typeface="Arial"/>
-            </a:endParaRPr>
-          </a:p>
-          <a:p>
-            <a:pPr indent="-311150" lvl="0" marL="457200" rtl="0" algn="l">
-              <a:spcBef>
-                <a:spcPts val="0"/>
-              </a:spcBef>
-              <a:spcAft>
-                <a:spcPts val="0"/>
-              </a:spcAft>
-              <a:buClr>
-                <a:srgbClr val="000000"/>
-              </a:buClr>
-              <a:buSzPts val="1300"/>
-              <a:buFont typeface="Arial"/>
-              <a:buChar char="●"/>
-            </a:pPr>
-            <a:r>
-              <a:rPr lang="ru" sz="1300">
-                <a:solidFill>
-                  <a:srgbClr val="000000"/>
-                </a:solidFill>
-                <a:latin typeface="Arial"/>
-                <a:ea typeface="Arial"/>
-                <a:cs typeface="Arial"/>
-                <a:sym typeface="Arial"/>
-              </a:rPr>
-              <a:t>Имеет встроенные команды(такие как </a:t>
-            </a:r>
-            <a:r>
-              <a:rPr i="1" lang="ru" sz="1300">
-                <a:solidFill>
-                  <a:srgbClr val="000000"/>
-                </a:solidFill>
-                <a:latin typeface="Arial"/>
-                <a:ea typeface="Arial"/>
-                <a:cs typeface="Arial"/>
-                <a:sym typeface="Arial"/>
-              </a:rPr>
-              <a:t>cd, exit</a:t>
-            </a:r>
-            <a:r>
-              <a:rPr lang="ru" sz="1300">
-                <a:solidFill>
-                  <a:srgbClr val="000000"/>
-                </a:solidFill>
-                <a:latin typeface="Arial"/>
-                <a:ea typeface="Arial"/>
-                <a:cs typeface="Arial"/>
-                <a:sym typeface="Arial"/>
-              </a:rPr>
-              <a:t>), может быть расширена для поддержки новых функций и команд.</a:t>
-            </a:r>
-            <a:endParaRPr sz="2000"/>
-          </a:p>
-        </p:txBody>
-      </p:sp>
-    </p:spTree>
-  </p:cSld>
-  <p:clrMapOvr>
-    <a:masterClrMapping/>
-  </p:clrMapOvr>
-</p:sld>
-</file>
-
-<file path=ppt/slides/slide5.xml><?xml version="1.0" encoding="utf-8"?>
-<p:sld xmlns:a="http://schemas.openxmlformats.org/drawingml/2006/main" xmlns:r="http://schemas.openxmlformats.org/officeDocument/2006/relationships" xmlns:mc="http://schemas.openxmlformats.org/markup-compatibility/2006" xmlns:mv="urn:schemas-microsoft-com:mac:vml" xmlns:p="http://schemas.openxmlformats.org/presentationml/2006/main" xmlns:c="http://schemas.openxmlformats.org/drawingml/2006/chart" xmlns:dgm="http://schemas.openxmlformats.org/drawingml/2006/diagram" xmlns:o="urn:schemas-microsoft-com:office:office" xmlns:v="urn:schemas-microsoft-com:vml" xmlns:pvml="urn:schemas-microsoft-com:office:powerpoint" xmlns:com="http://schemas.openxmlformats.org/drawingml/2006/compatibility" xmlns:p14="http://schemas.microsoft.com/office/powerpoint/2010/main" xmlns:p15="http://schemas.microsoft.com/office/powerpoint/2012/main" xmlns:ahyp="http://schemas.microsoft.com/office/drawing/2018/hyperlinkcolor">
-  <p:cSld>
-    <p:spTree>
-      <p:nvGrpSpPr>
-        <p:cNvPr id="82" name="Shape 82"/>
-        <p:cNvGrpSpPr/>
-        <p:nvPr/>
-      </p:nvGrpSpPr>
-      <p:grpSpPr>
-        <a:xfrm>
-          <a:off x="0" y="0"/>
-          <a:ext cx="0" cy="0"/>
-          <a:chOff x="0" y="0"/>
-          <a:chExt cx="0" cy="0"/>
-        </a:xfrm>
-      </p:grpSpPr>
-      <p:sp>
-        <p:nvSpPr>
-          <p:cNvPr id="83" name="Google Shape;83;p17"/>
-          <p:cNvSpPr txBox="1"/>
-          <p:nvPr>
-            <p:ph type="title"/>
-          </p:nvPr>
-        </p:nvSpPr>
-        <p:spPr>
-          <a:xfrm>
             <a:off x="311700" y="249125"/>
             <a:ext cx="8520600" cy="572700"/>
           </a:xfrm>
@@ -8566,7 +9693,7 @@
       </p:sp>
       <p:sp>
         <p:nvSpPr>
-          <p:cNvPr id="84" name="Google Shape;84;p17"/>
+          <p:cNvPr id="78" name="Google Shape;78;p16"/>
           <p:cNvSpPr txBox="1"/>
           <p:nvPr>
             <p:ph idx="1" type="body"/>
@@ -8778,7 +9905,7 @@
       </p:sp>
       <p:pic>
         <p:nvPicPr>
-          <p:cNvPr id="85" name="Google Shape;85;p17" title="terminal.gif"/>
+          <p:cNvPr id="79" name="Google Shape;79;p16" title="terminal.gif"/>
           <p:cNvPicPr preferRelativeResize="0"/>
           <p:nvPr/>
         </p:nvPicPr>
@@ -8846,7 +9973,7 @@
                                           </p:stCondLst>
                                         </p:cTn>
                                         <p:tgtEl>
-                                          <p:spTgt spid="85"/>
+                                          <p:spTgt spid="79"/>
                                         </p:tgtEl>
                                         <p:attrNameLst>
                                           <p:attrName>style.visibility</p:attrName>
@@ -8890,12 +10017,12 @@
 </p:sld>
 </file>
 
-<file path=ppt/slides/slide6.xml><?xml version="1.0" encoding="utf-8"?>
+<file path=ppt/slides/slide5.xml><?xml version="1.0" encoding="utf-8"?>
 <p:sld xmlns:a="http://schemas.openxmlformats.org/drawingml/2006/main" xmlns:r="http://schemas.openxmlformats.org/officeDocument/2006/relationships" xmlns:mc="http://schemas.openxmlformats.org/markup-compatibility/2006" xmlns:mv="urn:schemas-microsoft-com:mac:vml" xmlns:p="http://schemas.openxmlformats.org/presentationml/2006/main" xmlns:c="http://schemas.openxmlformats.org/drawingml/2006/chart" xmlns:dgm="http://schemas.openxmlformats.org/drawingml/2006/diagram" xmlns:o="urn:schemas-microsoft-com:office:office" xmlns:v="urn:schemas-microsoft-com:vml" xmlns:pvml="urn:schemas-microsoft-com:office:powerpoint" xmlns:com="http://schemas.openxmlformats.org/drawingml/2006/compatibility" xmlns:p14="http://schemas.microsoft.com/office/powerpoint/2010/main" xmlns:p15="http://schemas.microsoft.com/office/powerpoint/2012/main" xmlns:ahyp="http://schemas.microsoft.com/office/drawing/2018/hyperlinkcolor">
   <p:cSld>
     <p:spTree>
       <p:nvGrpSpPr>
-        <p:cNvPr id="89" name="Shape 89"/>
+        <p:cNvPr id="83" name="Shape 83"/>
         <p:cNvGrpSpPr/>
         <p:nvPr/>
       </p:nvGrpSpPr>
@@ -8907,252 +10034,115 @@
           <a:chExt cx="0" cy="0"/>
         </a:xfrm>
       </p:grpSpPr>
-      <p:sp>
-        <p:nvSpPr>
-          <p:cNvPr id="90" name="Google Shape;90;p18"/>
-          <p:cNvSpPr txBox="1"/>
-          <p:nvPr>
-            <p:ph type="title"/>
-          </p:nvPr>
-        </p:nvSpPr>
+      <p:pic>
+        <p:nvPicPr>
+          <p:cNvPr id="84" name="Google Shape;84;p17"/>
+          <p:cNvPicPr preferRelativeResize="0"/>
+          <p:nvPr/>
+        </p:nvPicPr>
+        <p:blipFill>
+          <a:blip r:embed="rId3">
+            <a:alphaModFix/>
+          </a:blip>
+          <a:stretch>
+            <a:fillRect/>
+          </a:stretch>
+        </p:blipFill>
         <p:spPr>
           <a:xfrm>
-            <a:off x="311700" y="445025"/>
-            <a:ext cx="8520600" cy="572700"/>
+            <a:off x="651563" y="0"/>
+            <a:ext cx="7840868" cy="5143500"/>
           </a:xfrm>
           <a:prstGeom prst="rect">
             <a:avLst/>
           </a:prstGeom>
+          <a:noFill/>
+          <a:ln>
+            <a:noFill/>
+          </a:ln>
         </p:spPr>
-        <p:txBody>
-          <a:bodyPr anchorCtr="0" anchor="t" bIns="91425" lIns="91425" spcFirstLastPara="1" rIns="91425" wrap="square" tIns="91425">
-            <a:normAutofit fontScale="90000"/>
-          </a:bodyPr>
-          <a:lstStyle/>
-          <a:p>
-            <a:pPr indent="0" lvl="0" marL="0" rtl="0" algn="l">
-              <a:spcBef>
-                <a:spcPts val="0"/>
-              </a:spcBef>
-              <a:spcAft>
-                <a:spcPts val="0"/>
-              </a:spcAft>
-              <a:buNone/>
-            </a:pPr>
-            <a:r>
-              <a:rPr lang="ru"/>
-              <a:t>✅ Результаты и функциональность</a:t>
-            </a:r>
-            <a:endParaRPr/>
-          </a:p>
-        </p:txBody>
-      </p:sp>
-      <p:sp>
-        <p:nvSpPr>
-          <p:cNvPr id="91" name="Google Shape;91;p18"/>
-          <p:cNvSpPr txBox="1"/>
-          <p:nvPr>
-            <p:ph idx="1" type="body"/>
-          </p:nvPr>
-        </p:nvSpPr>
+      </p:pic>
+    </p:spTree>
+  </p:cSld>
+  <p:clrMapOvr>
+    <a:masterClrMapping/>
+  </p:clrMapOvr>
+</p:sld>
+</file>
+
+<file path=ppt/slides/slide6.xml><?xml version="1.0" encoding="utf-8"?>
+<p:sld xmlns:a="http://schemas.openxmlformats.org/drawingml/2006/main" xmlns:r="http://schemas.openxmlformats.org/officeDocument/2006/relationships" xmlns:mc="http://schemas.openxmlformats.org/markup-compatibility/2006" xmlns:mv="urn:schemas-microsoft-com:mac:vml" xmlns:p="http://schemas.openxmlformats.org/presentationml/2006/main" xmlns:c="http://schemas.openxmlformats.org/drawingml/2006/chart" xmlns:dgm="http://schemas.openxmlformats.org/drawingml/2006/diagram" xmlns:o="urn:schemas-microsoft-com:office:office" xmlns:v="urn:schemas-microsoft-com:vml" xmlns:pvml="urn:schemas-microsoft-com:office:powerpoint" xmlns:com="http://schemas.openxmlformats.org/drawingml/2006/compatibility" xmlns:p14="http://schemas.microsoft.com/office/powerpoint/2010/main" xmlns:p15="http://schemas.microsoft.com/office/powerpoint/2012/main" xmlns:ahyp="http://schemas.microsoft.com/office/drawing/2018/hyperlinkcolor">
+  <p:cSld>
+    <p:spTree>
+      <p:nvGrpSpPr>
+        <p:cNvPr id="88" name="Shape 88"/>
+        <p:cNvGrpSpPr/>
+        <p:nvPr/>
+      </p:nvGrpSpPr>
+      <p:grpSpPr>
+        <a:xfrm>
+          <a:off x="0" y="0"/>
+          <a:ext cx="0" cy="0"/>
+          <a:chOff x="0" y="0"/>
+          <a:chExt cx="0" cy="0"/>
+        </a:xfrm>
+      </p:grpSpPr>
+      <p:pic>
+        <p:nvPicPr>
+          <p:cNvPr id="89" name="Google Shape;89;p18"/>
+          <p:cNvPicPr preferRelativeResize="0"/>
+          <p:nvPr/>
+        </p:nvPicPr>
+        <p:blipFill>
+          <a:blip r:embed="rId3">
+            <a:alphaModFix/>
+          </a:blip>
+          <a:stretch>
+            <a:fillRect/>
+          </a:stretch>
+        </p:blipFill>
         <p:spPr>
           <a:xfrm>
-            <a:off x="311700" y="1152475"/>
-            <a:ext cx="8520600" cy="3416400"/>
+            <a:off x="1631838" y="62200"/>
+            <a:ext cx="5880326" cy="2402355"/>
           </a:xfrm>
           <a:prstGeom prst="rect">
             <a:avLst/>
           </a:prstGeom>
+          <a:noFill/>
+          <a:ln>
+            <a:noFill/>
+          </a:ln>
         </p:spPr>
-        <p:txBody>
-          <a:bodyPr anchorCtr="0" anchor="t" bIns="91425" lIns="91425" spcFirstLastPara="1" rIns="91425" wrap="square" tIns="91425">
-            <a:noAutofit/>
-          </a:bodyPr>
-          <a:lstStyle/>
-          <a:p>
-            <a:pPr indent="-330200" lvl="0" marL="457200" rtl="0" algn="l">
-              <a:lnSpc>
-                <a:spcPct val="105000"/>
-              </a:lnSpc>
-              <a:spcBef>
-                <a:spcPts val="0"/>
-              </a:spcBef>
-              <a:spcAft>
-                <a:spcPts val="0"/>
-              </a:spcAft>
-              <a:buClr>
-                <a:schemeClr val="dk1"/>
-              </a:buClr>
-              <a:buSzPts val="1600"/>
-              <a:buChar char="●"/>
-            </a:pPr>
-            <a:r>
-              <a:rPr lang="ru" sz="1600">
-                <a:solidFill>
-                  <a:schemeClr val="dk1"/>
-                </a:solidFill>
-              </a:rPr>
-              <a:t>Реализован графический терминал с простым пользовательским интерфейсом.</a:t>
-            </a:r>
-            <a:endParaRPr sz="1600">
-              <a:solidFill>
-                <a:schemeClr val="dk1"/>
-              </a:solidFill>
-            </a:endParaRPr>
-          </a:p>
-          <a:p>
-            <a:pPr indent="-330200" lvl="0" marL="457200" rtl="0" algn="l">
-              <a:lnSpc>
-                <a:spcPct val="105000"/>
-              </a:lnSpc>
-              <a:spcBef>
-                <a:spcPts val="0"/>
-              </a:spcBef>
-              <a:spcAft>
-                <a:spcPts val="0"/>
-              </a:spcAft>
-              <a:buClr>
-                <a:schemeClr val="dk1"/>
-              </a:buClr>
-              <a:buSzPts val="1600"/>
-              <a:buChar char="●"/>
-            </a:pPr>
-            <a:r>
-              <a:rPr lang="ru" sz="1600">
-                <a:solidFill>
-                  <a:schemeClr val="dk1"/>
-                </a:solidFill>
-              </a:rPr>
-              <a:t>Разработана минималистичная, но расширяемая командная оболочка.</a:t>
-            </a:r>
-            <a:endParaRPr sz="1600">
-              <a:solidFill>
-                <a:schemeClr val="dk1"/>
-              </a:solidFill>
-            </a:endParaRPr>
-          </a:p>
-          <a:p>
-            <a:pPr indent="-330200" lvl="0" marL="457200" rtl="0" algn="l">
-              <a:lnSpc>
-                <a:spcPct val="105000"/>
-              </a:lnSpc>
-              <a:spcBef>
-                <a:spcPts val="0"/>
-              </a:spcBef>
-              <a:spcAft>
-                <a:spcPts val="0"/>
-              </a:spcAft>
-              <a:buClr>
-                <a:schemeClr val="dk1"/>
-              </a:buClr>
-              <a:buSzPts val="1600"/>
-              <a:buChar char="●"/>
-            </a:pPr>
-            <a:r>
-              <a:rPr lang="ru" sz="1600">
-                <a:solidFill>
-                  <a:schemeClr val="dk1"/>
-                </a:solidFill>
-              </a:rPr>
-              <a:t>Применены системные технологии Linux: PTY, fork, execv.</a:t>
-            </a:r>
-            <a:endParaRPr sz="1600">
-              <a:solidFill>
-                <a:schemeClr val="dk1"/>
-              </a:solidFill>
-            </a:endParaRPr>
-          </a:p>
-          <a:p>
-            <a:pPr indent="-330200" lvl="0" marL="457200" rtl="0" algn="l">
-              <a:lnSpc>
-                <a:spcPct val="105000"/>
-              </a:lnSpc>
-              <a:spcBef>
-                <a:spcPts val="0"/>
-              </a:spcBef>
-              <a:spcAft>
-                <a:spcPts val="0"/>
-              </a:spcAft>
-              <a:buClr>
-                <a:schemeClr val="dk1"/>
-              </a:buClr>
-              <a:buSzPts val="1600"/>
-              <a:buChar char="●"/>
-            </a:pPr>
-            <a:r>
-              <a:rPr lang="ru" sz="1600">
-                <a:solidFill>
-                  <a:schemeClr val="dk1"/>
-                </a:solidFill>
-              </a:rPr>
-              <a:t>Использованы стандартные контейнеры C++, умные указатели, наследование и полиморфизм.</a:t>
-            </a:r>
-            <a:endParaRPr sz="1600">
-              <a:solidFill>
-                <a:schemeClr val="dk1"/>
-              </a:solidFill>
-            </a:endParaRPr>
-          </a:p>
-          <a:p>
-            <a:pPr indent="-330200" lvl="0" marL="457200" rtl="0" algn="l">
-              <a:lnSpc>
-                <a:spcPct val="105000"/>
-              </a:lnSpc>
-              <a:spcBef>
-                <a:spcPts val="0"/>
-              </a:spcBef>
-              <a:spcAft>
-                <a:spcPts val="0"/>
-              </a:spcAft>
-              <a:buClr>
-                <a:schemeClr val="dk1"/>
-              </a:buClr>
-              <a:buSzPts val="1600"/>
-              <a:buChar char="●"/>
-            </a:pPr>
-            <a:r>
-              <a:rPr lang="ru" sz="1600">
-                <a:solidFill>
-                  <a:schemeClr val="dk1"/>
-                </a:solidFill>
-              </a:rPr>
-              <a:t>Проект оформлен с использование современных инструментов разработки: документация, структура, автоматизация сборки и развертки приложения.</a:t>
-            </a:r>
-            <a:endParaRPr sz="1600">
-              <a:solidFill>
-                <a:schemeClr val="dk1"/>
-              </a:solidFill>
-            </a:endParaRPr>
-          </a:p>
-          <a:p>
-            <a:pPr indent="-330200" lvl="0" marL="457200" rtl="0" algn="l">
-              <a:lnSpc>
-                <a:spcPct val="105000"/>
-              </a:lnSpc>
-              <a:spcBef>
-                <a:spcPts val="0"/>
-              </a:spcBef>
-              <a:spcAft>
-                <a:spcPts val="0"/>
-              </a:spcAft>
-              <a:buClr>
-                <a:schemeClr val="dk1"/>
-              </a:buClr>
-              <a:buSzPts val="1600"/>
-              <a:buChar char="●"/>
-            </a:pPr>
-            <a:r>
-              <a:rPr lang="ru" sz="1600">
-                <a:solidFill>
-                  <a:schemeClr val="dk1"/>
-                </a:solidFill>
-              </a:rPr>
-              <a:t>Протестирован запуск внешних программ, взаимодействие с пользовательским вводом и выводом.</a:t>
-            </a:r>
-            <a:endParaRPr sz="1595"/>
-          </a:p>
-        </p:txBody>
-      </p:sp>
+      </p:pic>
+      <p:pic>
+        <p:nvPicPr>
+          <p:cNvPr id="90" name="Google Shape;90;p18"/>
+          <p:cNvPicPr preferRelativeResize="0"/>
+          <p:nvPr/>
+        </p:nvPicPr>
+        <p:blipFill>
+          <a:blip r:embed="rId4">
+            <a:alphaModFix/>
+          </a:blip>
+          <a:stretch>
+            <a:fillRect/>
+          </a:stretch>
+        </p:blipFill>
+        <p:spPr>
+          <a:xfrm>
+            <a:off x="1631838" y="2494000"/>
+            <a:ext cx="5880325" cy="2649500"/>
+          </a:xfrm>
+          <a:prstGeom prst="rect">
+            <a:avLst/>
+          </a:prstGeom>
+          <a:noFill/>
+          <a:ln>
+            <a:noFill/>
+          </a:ln>
+        </p:spPr>
+      </p:pic>
     </p:spTree>
   </p:cSld>
   <p:clrMapOvr>
@@ -9166,7 +10156,7 @@
   <p:cSld>
     <p:spTree>
       <p:nvGrpSpPr>
-        <p:cNvPr id="95" name="Shape 95"/>
+        <p:cNvPr id="94" name="Shape 94"/>
         <p:cNvGrpSpPr/>
         <p:nvPr/>
       </p:nvGrpSpPr>
@@ -9180,7 +10170,7 @@
       </p:grpSpPr>
       <p:pic>
         <p:nvPicPr>
-          <p:cNvPr id="96" name="Google Shape;96;p19"/>
+          <p:cNvPr id="95" name="Google Shape;95;p19"/>
           <p:cNvPicPr preferRelativeResize="0"/>
           <p:nvPr/>
         </p:nvPicPr>
@@ -9188,13 +10178,13 @@
           <a:blip r:embed="rId3">
             <a:alphaModFix/>
           </a:blip>
-          <a:srcRect b="43045" l="0" r="0" t="0"/>
+          <a:srcRect b="3194" l="0" r="2429" t="0"/>
           <a:stretch/>
         </p:blipFill>
         <p:spPr>
           <a:xfrm>
-            <a:off x="1066948" y="0"/>
-            <a:ext cx="7010101" cy="5143500"/>
+            <a:off x="71550" y="77775"/>
+            <a:ext cx="6794750" cy="4904024"/>
           </a:xfrm>
           <a:prstGeom prst="rect">
             <a:avLst/>
@@ -9218,7 +10208,59 @@
   <p:cSld>
     <p:spTree>
       <p:nvGrpSpPr>
-        <p:cNvPr id="100" name="Shape 100"/>
+        <p:cNvPr id="99" name="Shape 99"/>
+        <p:cNvGrpSpPr/>
+        <p:nvPr/>
+      </p:nvGrpSpPr>
+      <p:grpSpPr>
+        <a:xfrm>
+          <a:off x="0" y="0"/>
+          <a:ext cx="0" cy="0"/>
+          <a:chOff x="0" y="0"/>
+          <a:chExt cx="0" cy="0"/>
+        </a:xfrm>
+      </p:grpSpPr>
+      <p:pic>
+        <p:nvPicPr>
+          <p:cNvPr id="100" name="Google Shape;100;p20"/>
+          <p:cNvPicPr preferRelativeResize="0"/>
+          <p:nvPr/>
+        </p:nvPicPr>
+        <p:blipFill rotWithShape="1">
+          <a:blip r:embed="rId3">
+            <a:alphaModFix/>
+          </a:blip>
+          <a:srcRect b="0" l="0" r="0" t="8999"/>
+          <a:stretch/>
+        </p:blipFill>
+        <p:spPr>
+          <a:xfrm>
+            <a:off x="1086488" y="174150"/>
+            <a:ext cx="6971024" cy="4677024"/>
+          </a:xfrm>
+          <a:prstGeom prst="rect">
+            <a:avLst/>
+          </a:prstGeom>
+          <a:noFill/>
+          <a:ln>
+            <a:noFill/>
+          </a:ln>
+        </p:spPr>
+      </p:pic>
+    </p:spTree>
+  </p:cSld>
+  <p:clrMapOvr>
+    <a:masterClrMapping/>
+  </p:clrMapOvr>
+</p:sld>
+</file>
+
+<file path=ppt/slides/slide9.xml><?xml version="1.0" encoding="utf-8"?>
+<p:sld xmlns:a="http://schemas.openxmlformats.org/drawingml/2006/main" xmlns:r="http://schemas.openxmlformats.org/officeDocument/2006/relationships" xmlns:mc="http://schemas.openxmlformats.org/markup-compatibility/2006" xmlns:mv="urn:schemas-microsoft-com:mac:vml" xmlns:p="http://schemas.openxmlformats.org/presentationml/2006/main" xmlns:c="http://schemas.openxmlformats.org/drawingml/2006/chart" xmlns:dgm="http://schemas.openxmlformats.org/drawingml/2006/diagram" xmlns:o="urn:schemas-microsoft-com:office:office" xmlns:v="urn:schemas-microsoft-com:vml" xmlns:pvml="urn:schemas-microsoft-com:office:powerpoint" xmlns:com="http://schemas.openxmlformats.org/drawingml/2006/compatibility" xmlns:p14="http://schemas.microsoft.com/office/powerpoint/2010/main" xmlns:p15="http://schemas.microsoft.com/office/powerpoint/2012/main" xmlns:ahyp="http://schemas.microsoft.com/office/drawing/2018/hyperlinkcolor">
+  <p:cSld>
+    <p:spTree>
+      <p:nvGrpSpPr>
+        <p:cNvPr id="104" name="Shape 104"/>
         <p:cNvGrpSpPr/>
         <p:nvPr/>
       </p:nvGrpSpPr>
@@ -9232,14 +10274,66 @@
       </p:grpSpPr>
       <p:sp>
         <p:nvSpPr>
-          <p:cNvPr id="101" name="Google Shape;101;p20"/>
+          <p:cNvPr id="105" name="Google Shape;105;p21"/>
           <p:cNvSpPr txBox="1"/>
-          <p:nvPr/>
+          <p:nvPr>
+            <p:ph type="title"/>
+          </p:nvPr>
         </p:nvSpPr>
         <p:spPr>
           <a:xfrm>
-            <a:off x="1480650" y="2154600"/>
-            <a:ext cx="6182700" cy="834300"/>
+            <a:off x="62925" y="65625"/>
+            <a:ext cx="8520600" cy="572700"/>
+          </a:xfrm>
+          <a:prstGeom prst="rect">
+            <a:avLst/>
+          </a:prstGeom>
+        </p:spPr>
+        <p:txBody>
+          <a:bodyPr anchorCtr="0" anchor="t" bIns="91425" lIns="91425" spcFirstLastPara="1" rIns="91425" wrap="square" tIns="91425">
+            <a:normAutofit fontScale="90000"/>
+          </a:bodyPr>
+          <a:lstStyle/>
+          <a:p>
+            <a:pPr indent="0" lvl="0" marL="0" rtl="0" algn="l">
+              <a:spcBef>
+                <a:spcPts val="0"/>
+              </a:spcBef>
+              <a:spcAft>
+                <a:spcPts val="0"/>
+              </a:spcAft>
+              <a:buNone/>
+            </a:pPr>
+            <a:r>
+              <a:rPr lang="ru"/>
+              <a:t>⚙️</a:t>
+            </a:r>
+            <a:r>
+              <a:rPr lang="ru"/>
+              <a:t>Реализация</a:t>
+            </a:r>
+            <a:endParaRPr/>
+          </a:p>
+        </p:txBody>
+      </p:sp>
+      <p:pic>
+        <p:nvPicPr>
+          <p:cNvPr id="106" name="Google Shape;106;p21"/>
+          <p:cNvPicPr preferRelativeResize="0"/>
+          <p:nvPr/>
+        </p:nvPicPr>
+        <p:blipFill>
+          <a:blip r:embed="rId3">
+            <a:alphaModFix/>
+          </a:blip>
+          <a:stretch>
+            <a:fillRect/>
+          </a:stretch>
+        </p:blipFill>
+        <p:spPr>
+          <a:xfrm>
+            <a:off x="62925" y="680924"/>
+            <a:ext cx="4800699" cy="3714375"/>
           </a:xfrm>
           <a:prstGeom prst="rect">
             <a:avLst/>
@@ -9249,45 +10343,35 @@
             <a:noFill/>
           </a:ln>
         </p:spPr>
-        <p:txBody>
-          <a:bodyPr anchorCtr="0" anchor="t" bIns="91425" lIns="91425" spcFirstLastPara="1" rIns="91425" wrap="square" tIns="91425">
-            <a:noAutofit/>
-          </a:bodyPr>
-          <a:lstStyle/>
-          <a:p>
-            <a:pPr indent="0" lvl="0" marL="0" rtl="0" algn="ctr">
-              <a:spcBef>
-                <a:spcPts val="0"/>
-              </a:spcBef>
-              <a:spcAft>
-                <a:spcPts val="0"/>
-              </a:spcAft>
-              <a:buNone/>
-            </a:pPr>
-            <a:r>
-              <a:rPr lang="ru" sz="4300">
-                <a:solidFill>
-                  <a:schemeClr val="accent3"/>
-                </a:solidFill>
-                <a:latin typeface="Proxima Nova"/>
-                <a:ea typeface="Proxima Nova"/>
-                <a:cs typeface="Proxima Nova"/>
-                <a:sym typeface="Proxima Nova"/>
-              </a:rPr>
-              <a:t>Спасибо за внимание!</a:t>
-            </a:r>
-            <a:endParaRPr sz="4300">
-              <a:solidFill>
-                <a:schemeClr val="accent3"/>
-              </a:solidFill>
-              <a:latin typeface="Proxima Nova"/>
-              <a:ea typeface="Proxima Nova"/>
-              <a:cs typeface="Proxima Nova"/>
-              <a:sym typeface="Proxima Nova"/>
-            </a:endParaRPr>
-          </a:p>
-        </p:txBody>
-      </p:sp>
+      </p:pic>
+      <p:pic>
+        <p:nvPicPr>
+          <p:cNvPr id="107" name="Google Shape;107;p21"/>
+          <p:cNvPicPr preferRelativeResize="0"/>
+          <p:nvPr/>
+        </p:nvPicPr>
+        <p:blipFill>
+          <a:blip r:embed="rId4">
+            <a:alphaModFix/>
+          </a:blip>
+          <a:stretch>
+            <a:fillRect/>
+          </a:stretch>
+        </p:blipFill>
+        <p:spPr>
+          <a:xfrm>
+            <a:off x="3322875" y="4171363"/>
+            <a:ext cx="5353050" cy="847725"/>
+          </a:xfrm>
+          <a:prstGeom prst="rect">
+            <a:avLst/>
+          </a:prstGeom>
+          <a:noFill/>
+          <a:ln>
+            <a:noFill/>
+          </a:ln>
+        </p:spPr>
+      </p:pic>
     </p:spTree>
   </p:cSld>
   <p:clrMapOvr>
